--- a/CSCI4836-HW04-Presentation.pptx
+++ b/CSCI4836-HW04-Presentation.pptx
@@ -5,7 +5,7 @@
     <p:sldMasterId id="2147483648" r:id="rId1"/>
   </p:sldMasterIdLst>
   <p:notesMasterIdLst>
-    <p:notesMasterId r:id="rId15"/>
+    <p:notesMasterId r:id="rId16"/>
   </p:notesMasterIdLst>
   <p:sldIdLst>
     <p:sldId id="256" r:id="rId2"/>
@@ -21,6 +21,7 @@
     <p:sldId id="549" r:id="rId12"/>
     <p:sldId id="550" r:id="rId13"/>
     <p:sldId id="551" r:id="rId14"/>
+    <p:sldId id="553" r:id="rId15"/>
   </p:sldIdLst>
   <p:sldSz cx="9144000" cy="6858000" type="screen4x3"/>
   <p:notesSz cx="6858000" cy="9144000"/>
@@ -9431,7 +9432,7 @@
             <a:fld id="{FE3A2170-C3D1-4C04-A218-F99B2C9D40CA}" type="datetimeFigureOut">
               <a:rPr lang="en-US" smtClean="0"/>
               <a:pPr/>
-              <a:t>11/28/2018</a:t>
+              <a:t>12/7/2018</a:t>
             </a:fld>
             <a:endParaRPr lang="en-US"/>
           </a:p>
@@ -9844,6 +9845,176 @@
             <a:fld id="{4B7A1994-01CA-46CB-AA71-B6002C49F991}" type="slidenum">
               <a:rPr lang="en-US" smtClean="0"/>
               <a:pPr/>
+              <a:t>4</a:t>
+            </a:fld>
+            <a:endParaRPr lang="en-US"/>
+          </a:p>
+        </p:txBody>
+      </p:sp>
+    </p:spTree>
+    <p:extLst>
+      <p:ext uri="{BB962C8B-B14F-4D97-AF65-F5344CB8AC3E}">
+        <p14:creationId xmlns:p14="http://schemas.microsoft.com/office/powerpoint/2010/main" val="1096846274"/>
+      </p:ext>
+    </p:extLst>
+  </p:cSld>
+  <p:clrMapOvr>
+    <a:masterClrMapping/>
+  </p:clrMapOvr>
+</p:notes>
+</file>
+
+<file path=ppt/notesSlides/notesSlide3.xml><?xml version="1.0" encoding="utf-8"?>
+<p:notes xmlns:a="http://schemas.openxmlformats.org/drawingml/2006/main" xmlns:r="http://schemas.openxmlformats.org/officeDocument/2006/relationships" xmlns:p="http://schemas.openxmlformats.org/presentationml/2006/main">
+  <p:cSld>
+    <p:spTree>
+      <p:nvGrpSpPr>
+        <p:cNvPr id="1" name=""/>
+        <p:cNvGrpSpPr/>
+        <p:nvPr/>
+      </p:nvGrpSpPr>
+      <p:grpSpPr>
+        <a:xfrm>
+          <a:off x="0" y="0"/>
+          <a:ext cx="0" cy="0"/>
+          <a:chOff x="0" y="0"/>
+          <a:chExt cx="0" cy="0"/>
+        </a:xfrm>
+      </p:grpSpPr>
+      <p:sp>
+        <p:nvSpPr>
+          <p:cNvPr id="2" name="Slide Image Placeholder 1"/>
+          <p:cNvSpPr>
+            <a:spLocks noGrp="1" noRot="1" noChangeAspect="1"/>
+          </p:cNvSpPr>
+          <p:nvPr>
+            <p:ph type="sldImg"/>
+          </p:nvPr>
+        </p:nvSpPr>
+        <p:spPr/>
+      </p:sp>
+      <p:sp>
+        <p:nvSpPr>
+          <p:cNvPr id="3" name="Notes Placeholder 2"/>
+          <p:cNvSpPr>
+            <a:spLocks noGrp="1"/>
+          </p:cNvSpPr>
+          <p:nvPr>
+            <p:ph type="body" idx="1"/>
+          </p:nvPr>
+        </p:nvSpPr>
+        <p:spPr/>
+        <p:txBody>
+          <a:bodyPr/>
+          <a:lstStyle/>
+          <a:p>
+            <a:endParaRPr lang="en-GB" dirty="0"/>
+          </a:p>
+        </p:txBody>
+      </p:sp>
+      <p:sp>
+        <p:nvSpPr>
+          <p:cNvPr id="4" name="Slide Number Placeholder 3"/>
+          <p:cNvSpPr>
+            <a:spLocks noGrp="1"/>
+          </p:cNvSpPr>
+          <p:nvPr>
+            <p:ph type="sldNum" sz="quarter" idx="5"/>
+          </p:nvPr>
+        </p:nvSpPr>
+        <p:spPr/>
+        <p:txBody>
+          <a:bodyPr/>
+          <a:lstStyle/>
+          <a:p>
+            <a:fld id="{4B7A1994-01CA-46CB-AA71-B6002C49F991}" type="slidenum">
+              <a:rPr lang="en-US" smtClean="0"/>
+              <a:pPr/>
+              <a:t>5</a:t>
+            </a:fld>
+            <a:endParaRPr lang="en-US"/>
+          </a:p>
+        </p:txBody>
+      </p:sp>
+    </p:spTree>
+    <p:extLst>
+      <p:ext uri="{BB962C8B-B14F-4D97-AF65-F5344CB8AC3E}">
+        <p14:creationId xmlns:p14="http://schemas.microsoft.com/office/powerpoint/2010/main" val="3086842158"/>
+      </p:ext>
+    </p:extLst>
+  </p:cSld>
+  <p:clrMapOvr>
+    <a:masterClrMapping/>
+  </p:clrMapOvr>
+</p:notes>
+</file>
+
+<file path=ppt/notesSlides/notesSlide4.xml><?xml version="1.0" encoding="utf-8"?>
+<p:notes xmlns:a="http://schemas.openxmlformats.org/drawingml/2006/main" xmlns:r="http://schemas.openxmlformats.org/officeDocument/2006/relationships" xmlns:p="http://schemas.openxmlformats.org/presentationml/2006/main">
+  <p:cSld>
+    <p:spTree>
+      <p:nvGrpSpPr>
+        <p:cNvPr id="1" name=""/>
+        <p:cNvGrpSpPr/>
+        <p:nvPr/>
+      </p:nvGrpSpPr>
+      <p:grpSpPr>
+        <a:xfrm>
+          <a:off x="0" y="0"/>
+          <a:ext cx="0" cy="0"/>
+          <a:chOff x="0" y="0"/>
+          <a:chExt cx="0" cy="0"/>
+        </a:xfrm>
+      </p:grpSpPr>
+      <p:sp>
+        <p:nvSpPr>
+          <p:cNvPr id="2" name="Slide Image Placeholder 1"/>
+          <p:cNvSpPr>
+            <a:spLocks noGrp="1" noRot="1" noChangeAspect="1"/>
+          </p:cNvSpPr>
+          <p:nvPr>
+            <p:ph type="sldImg"/>
+          </p:nvPr>
+        </p:nvSpPr>
+        <p:spPr/>
+      </p:sp>
+      <p:sp>
+        <p:nvSpPr>
+          <p:cNvPr id="3" name="Notes Placeholder 2"/>
+          <p:cNvSpPr>
+            <a:spLocks noGrp="1"/>
+          </p:cNvSpPr>
+          <p:nvPr>
+            <p:ph type="body" idx="1"/>
+          </p:nvPr>
+        </p:nvSpPr>
+        <p:spPr/>
+        <p:txBody>
+          <a:bodyPr/>
+          <a:lstStyle/>
+          <a:p>
+            <a:endParaRPr lang="en-GB" dirty="0"/>
+          </a:p>
+        </p:txBody>
+      </p:sp>
+      <p:sp>
+        <p:nvSpPr>
+          <p:cNvPr id="4" name="Slide Number Placeholder 3"/>
+          <p:cNvSpPr>
+            <a:spLocks noGrp="1"/>
+          </p:cNvSpPr>
+          <p:nvPr>
+            <p:ph type="sldNum" sz="quarter" idx="5"/>
+          </p:nvPr>
+        </p:nvSpPr>
+        <p:spPr/>
+        <p:txBody>
+          <a:bodyPr/>
+          <a:lstStyle/>
+          <a:p>
+            <a:fld id="{4B7A1994-01CA-46CB-AA71-B6002C49F991}" type="slidenum">
+              <a:rPr lang="en-US" smtClean="0"/>
+              <a:pPr/>
               <a:t>9</a:t>
             </a:fld>
             <a:endParaRPr lang="en-US"/>
@@ -9863,7 +10034,7 @@
 </p:notes>
 </file>
 
-<file path=ppt/notesSlides/notesSlide3.xml><?xml version="1.0" encoding="utf-8"?>
+<file path=ppt/notesSlides/notesSlide5.xml><?xml version="1.0" encoding="utf-8"?>
 <p:notes xmlns:a="http://schemas.openxmlformats.org/drawingml/2006/main" xmlns:r="http://schemas.openxmlformats.org/officeDocument/2006/relationships" xmlns:p="http://schemas.openxmlformats.org/presentationml/2006/main">
   <p:cSld>
     <p:spTree>
@@ -9948,8 +10119,93 @@
 </p:notes>
 </file>
 
+<file path=ppt/notesSlides/notesSlide6.xml><?xml version="1.0" encoding="utf-8"?>
+<p:notes xmlns:a="http://schemas.openxmlformats.org/drawingml/2006/main" xmlns:r="http://schemas.openxmlformats.org/officeDocument/2006/relationships" xmlns:p="http://schemas.openxmlformats.org/presentationml/2006/main">
+  <p:cSld>
+    <p:spTree>
+      <p:nvGrpSpPr>
+        <p:cNvPr id="1" name=""/>
+        <p:cNvGrpSpPr/>
+        <p:nvPr/>
+      </p:nvGrpSpPr>
+      <p:grpSpPr>
+        <a:xfrm>
+          <a:off x="0" y="0"/>
+          <a:ext cx="0" cy="0"/>
+          <a:chOff x="0" y="0"/>
+          <a:chExt cx="0" cy="0"/>
+        </a:xfrm>
+      </p:grpSpPr>
+      <p:sp>
+        <p:nvSpPr>
+          <p:cNvPr id="2" name="Slide Image Placeholder 1"/>
+          <p:cNvSpPr>
+            <a:spLocks noGrp="1" noRot="1" noChangeAspect="1"/>
+          </p:cNvSpPr>
+          <p:nvPr>
+            <p:ph type="sldImg"/>
+          </p:nvPr>
+        </p:nvSpPr>
+        <p:spPr/>
+      </p:sp>
+      <p:sp>
+        <p:nvSpPr>
+          <p:cNvPr id="3" name="Notes Placeholder 2"/>
+          <p:cNvSpPr>
+            <a:spLocks noGrp="1"/>
+          </p:cNvSpPr>
+          <p:nvPr>
+            <p:ph type="body" idx="1"/>
+          </p:nvPr>
+        </p:nvSpPr>
+        <p:spPr/>
+        <p:txBody>
+          <a:bodyPr/>
+          <a:lstStyle/>
+          <a:p>
+            <a:endParaRPr lang="en-GB" dirty="0"/>
+          </a:p>
+        </p:txBody>
+      </p:sp>
+      <p:sp>
+        <p:nvSpPr>
+          <p:cNvPr id="4" name="Slide Number Placeholder 3"/>
+          <p:cNvSpPr>
+            <a:spLocks noGrp="1"/>
+          </p:cNvSpPr>
+          <p:nvPr>
+            <p:ph type="sldNum" sz="quarter" idx="5"/>
+          </p:nvPr>
+        </p:nvSpPr>
+        <p:spPr/>
+        <p:txBody>
+          <a:bodyPr/>
+          <a:lstStyle/>
+          <a:p>
+            <a:fld id="{4B7A1994-01CA-46CB-AA71-B6002C49F991}" type="slidenum">
+              <a:rPr lang="en-US" smtClean="0"/>
+              <a:pPr/>
+              <a:t>14</a:t>
+            </a:fld>
+            <a:endParaRPr lang="en-US"/>
+          </a:p>
+        </p:txBody>
+      </p:sp>
+    </p:spTree>
+    <p:extLst>
+      <p:ext uri="{BB962C8B-B14F-4D97-AF65-F5344CB8AC3E}">
+        <p14:creationId xmlns:p14="http://schemas.microsoft.com/office/powerpoint/2010/main" val="1962890080"/>
+      </p:ext>
+    </p:extLst>
+  </p:cSld>
+  <p:clrMapOvr>
+    <a:masterClrMapping/>
+  </p:clrMapOvr>
+</p:notes>
+</file>
+
 <file path=ppt/slideLayouts/slideLayout1.xml><?xml version="1.0" encoding="utf-8"?>
-<p:sldLayout xmlns:a="http://schemas.openxmlformats.org/drawingml/2006/main" xmlns:r="http://schemas.openxmlformats.org/officeDocument/2006/relationships" xmlns:p="http://schemas.openxmlformats.org/presentationml/2006/main" type="title" preserve="1">
+<p:sldLayout xmlns:a="http://schemas.openxmlformats.org/drawingml/2006/main" xmlns:r="http://schemas.openxmlformats.org/officeDocument/2006/relationships" xmlns:p="http://schemas.openxmlformats.org/presentationml/2006/main" showMasterSp="0" type="title" preserve="1">
   <p:cSld name="Title Slide">
     <p:spTree>
       <p:nvGrpSpPr>
@@ -10132,7 +10388,7 @@
             <a:fld id="{83E5EE5E-2BFB-4159-89CB-07257F483B3F}" type="datetimeFigureOut">
               <a:rPr lang="en-US" smtClean="0"/>
               <a:pPr/>
-              <a:t>11/28/2018</a:t>
+              <a:t>12/7/2018</a:t>
             </a:fld>
             <a:endParaRPr lang="en-US"/>
           </a:p>
@@ -10198,7 +10454,7 @@
 </file>
 
 <file path=ppt/slideLayouts/slideLayout10.xml><?xml version="1.0" encoding="utf-8"?>
-<p:sldLayout xmlns:a="http://schemas.openxmlformats.org/drawingml/2006/main" xmlns:r="http://schemas.openxmlformats.org/officeDocument/2006/relationships" xmlns:p="http://schemas.openxmlformats.org/presentationml/2006/main" type="vertTx" preserve="1">
+<p:sldLayout xmlns:a="http://schemas.openxmlformats.org/drawingml/2006/main" xmlns:r="http://schemas.openxmlformats.org/officeDocument/2006/relationships" xmlns:p="http://schemas.openxmlformats.org/presentationml/2006/main" showMasterSp="0" type="vertTx" preserve="1">
   <p:cSld name="Title and Vertical Text">
     <p:spTree>
       <p:nvGrpSpPr>
@@ -10305,7 +10561,7 @@
             <a:fld id="{83E5EE5E-2BFB-4159-89CB-07257F483B3F}" type="datetimeFigureOut">
               <a:rPr lang="en-US" smtClean="0"/>
               <a:pPr/>
-              <a:t>11/28/2018</a:t>
+              <a:t>12/7/2018</a:t>
             </a:fld>
             <a:endParaRPr lang="en-US"/>
           </a:p>
@@ -10371,7 +10627,7 @@
 </file>
 
 <file path=ppt/slideLayouts/slideLayout11.xml><?xml version="1.0" encoding="utf-8"?>
-<p:sldLayout xmlns:a="http://schemas.openxmlformats.org/drawingml/2006/main" xmlns:r="http://schemas.openxmlformats.org/officeDocument/2006/relationships" xmlns:p="http://schemas.openxmlformats.org/presentationml/2006/main" type="vertTitleAndTx" preserve="1">
+<p:sldLayout xmlns:a="http://schemas.openxmlformats.org/drawingml/2006/main" xmlns:r="http://schemas.openxmlformats.org/officeDocument/2006/relationships" xmlns:p="http://schemas.openxmlformats.org/presentationml/2006/main" showMasterSp="0" type="vertTitleAndTx" preserve="1">
   <p:cSld name="Vertical Title and Text">
     <p:spTree>
       <p:nvGrpSpPr>
@@ -10488,7 +10744,7 @@
             <a:fld id="{83E5EE5E-2BFB-4159-89CB-07257F483B3F}" type="datetimeFigureOut">
               <a:rPr lang="en-US" smtClean="0"/>
               <a:pPr/>
-              <a:t>11/28/2018</a:t>
+              <a:t>12/7/2018</a:t>
             </a:fld>
             <a:endParaRPr lang="en-US"/>
           </a:p>
@@ -10554,7 +10810,7 @@
 </file>
 
 <file path=ppt/slideLayouts/slideLayout12.xml><?xml version="1.0" encoding="utf-8"?>
-<p:sldLayout xmlns:a="http://schemas.openxmlformats.org/drawingml/2006/main" xmlns:r="http://schemas.openxmlformats.org/officeDocument/2006/relationships" xmlns:p="http://schemas.openxmlformats.org/presentationml/2006/main" type="txAndObj">
+<p:sldLayout xmlns:a="http://schemas.openxmlformats.org/drawingml/2006/main" xmlns:r="http://schemas.openxmlformats.org/officeDocument/2006/relationships" xmlns:p="http://schemas.openxmlformats.org/presentationml/2006/main" showMasterSp="0" type="txAndObj">
   <p:cSld name="Title, Text, and Content">
     <p:spTree>
       <p:nvGrpSpPr>
@@ -10816,7 +11072,7 @@
 </file>
 
 <file path=ppt/slideLayouts/slideLayout2.xml><?xml version="1.0" encoding="utf-8"?>
-<p:sldLayout xmlns:a="http://schemas.openxmlformats.org/drawingml/2006/main" xmlns:r="http://schemas.openxmlformats.org/officeDocument/2006/relationships" xmlns:p="http://schemas.openxmlformats.org/presentationml/2006/main" preserve="1" userDrawn="1">
+<p:sldLayout xmlns:a="http://schemas.openxmlformats.org/drawingml/2006/main" xmlns:r="http://schemas.openxmlformats.org/officeDocument/2006/relationships" xmlns:p="http://schemas.openxmlformats.org/presentationml/2006/main" showMasterSp="0" preserve="1" userDrawn="1">
   <p:cSld name="Title and Content">
     <p:spTree>
       <p:nvGrpSpPr>
@@ -10923,7 +11179,7 @@
             <a:fld id="{83E5EE5E-2BFB-4159-89CB-07257F483B3F}" type="datetimeFigureOut">
               <a:rPr lang="en-US" smtClean="0"/>
               <a:pPr/>
-              <a:t>11/28/2018</a:t>
+              <a:t>12/7/2018</a:t>
             </a:fld>
             <a:endParaRPr lang="en-US" dirty="0"/>
           </a:p>
@@ -10962,7 +11218,7 @@
 </file>
 
 <file path=ppt/slideLayouts/slideLayout3.xml><?xml version="1.0" encoding="utf-8"?>
-<p:sldLayout xmlns:a="http://schemas.openxmlformats.org/drawingml/2006/main" xmlns:r="http://schemas.openxmlformats.org/officeDocument/2006/relationships" xmlns:p="http://schemas.openxmlformats.org/presentationml/2006/main" type="secHead" preserve="1">
+<p:sldLayout xmlns:a="http://schemas.openxmlformats.org/drawingml/2006/main" xmlns:r="http://schemas.openxmlformats.org/officeDocument/2006/relationships" xmlns:p="http://schemas.openxmlformats.org/presentationml/2006/main" showMasterSp="0" type="secHead" preserve="1">
   <p:cSld name="Section Header">
     <p:spTree>
       <p:nvGrpSpPr>
@@ -11146,7 +11402,7 @@
             <a:fld id="{83E5EE5E-2BFB-4159-89CB-07257F483B3F}" type="datetimeFigureOut">
               <a:rPr lang="en-US" smtClean="0"/>
               <a:pPr/>
-              <a:t>11/28/2018</a:t>
+              <a:t>12/7/2018</a:t>
             </a:fld>
             <a:endParaRPr lang="en-US"/>
           </a:p>
@@ -11212,7 +11468,7 @@
 </file>
 
 <file path=ppt/slideLayouts/slideLayout4.xml><?xml version="1.0" encoding="utf-8"?>
-<p:sldLayout xmlns:a="http://schemas.openxmlformats.org/drawingml/2006/main" xmlns:r="http://schemas.openxmlformats.org/officeDocument/2006/relationships" xmlns:p="http://schemas.openxmlformats.org/presentationml/2006/main" type="twoObj" preserve="1">
+<p:sldLayout xmlns:a="http://schemas.openxmlformats.org/drawingml/2006/main" xmlns:r="http://schemas.openxmlformats.org/officeDocument/2006/relationships" xmlns:p="http://schemas.openxmlformats.org/presentationml/2006/main" showMasterSp="0" type="twoObj" preserve="1">
   <p:cSld name="Two Content">
     <p:spTree>
       <p:nvGrpSpPr>
@@ -11436,7 +11692,7 @@
             <a:fld id="{83E5EE5E-2BFB-4159-89CB-07257F483B3F}" type="datetimeFigureOut">
               <a:rPr lang="en-US" smtClean="0"/>
               <a:pPr/>
-              <a:t>11/28/2018</a:t>
+              <a:t>12/7/2018</a:t>
             </a:fld>
             <a:endParaRPr lang="en-US"/>
           </a:p>
@@ -11502,7 +11758,7 @@
 </file>
 
 <file path=ppt/slideLayouts/slideLayout5.xml><?xml version="1.0" encoding="utf-8"?>
-<p:sldLayout xmlns:a="http://schemas.openxmlformats.org/drawingml/2006/main" xmlns:r="http://schemas.openxmlformats.org/officeDocument/2006/relationships" xmlns:p="http://schemas.openxmlformats.org/presentationml/2006/main" type="twoTxTwoObj" preserve="1">
+<p:sldLayout xmlns:a="http://schemas.openxmlformats.org/drawingml/2006/main" xmlns:r="http://schemas.openxmlformats.org/officeDocument/2006/relationships" xmlns:p="http://schemas.openxmlformats.org/presentationml/2006/main" showMasterSp="0" type="twoTxTwoObj" preserve="1">
   <p:cSld name="Comparison">
     <p:spTree>
       <p:nvGrpSpPr>
@@ -11860,7 +12116,7 @@
             <a:fld id="{83E5EE5E-2BFB-4159-89CB-07257F483B3F}" type="datetimeFigureOut">
               <a:rPr lang="en-US" smtClean="0"/>
               <a:pPr/>
-              <a:t>11/28/2018</a:t>
+              <a:t>12/7/2018</a:t>
             </a:fld>
             <a:endParaRPr lang="en-US"/>
           </a:p>
@@ -11926,7 +12182,7 @@
 </file>
 
 <file path=ppt/slideLayouts/slideLayout6.xml><?xml version="1.0" encoding="utf-8"?>
-<p:sldLayout xmlns:a="http://schemas.openxmlformats.org/drawingml/2006/main" xmlns:r="http://schemas.openxmlformats.org/officeDocument/2006/relationships" xmlns:p="http://schemas.openxmlformats.org/presentationml/2006/main" type="titleOnly" preserve="1">
+<p:sldLayout xmlns:a="http://schemas.openxmlformats.org/drawingml/2006/main" xmlns:r="http://schemas.openxmlformats.org/officeDocument/2006/relationships" xmlns:p="http://schemas.openxmlformats.org/presentationml/2006/main" showMasterSp="0" type="titleOnly" preserve="1">
   <p:cSld name="Title Only">
     <p:spTree>
       <p:nvGrpSpPr>
@@ -11982,7 +12238,7 @@
             <a:fld id="{83E5EE5E-2BFB-4159-89CB-07257F483B3F}" type="datetimeFigureOut">
               <a:rPr lang="en-US" smtClean="0"/>
               <a:pPr/>
-              <a:t>11/28/2018</a:t>
+              <a:t>12/7/2018</a:t>
             </a:fld>
             <a:endParaRPr lang="en-US"/>
           </a:p>
@@ -12048,7 +12304,7 @@
 </file>
 
 <file path=ppt/slideLayouts/slideLayout7.xml><?xml version="1.0" encoding="utf-8"?>
-<p:sldLayout xmlns:a="http://schemas.openxmlformats.org/drawingml/2006/main" xmlns:r="http://schemas.openxmlformats.org/officeDocument/2006/relationships" xmlns:p="http://schemas.openxmlformats.org/presentationml/2006/main" type="blank" preserve="1">
+<p:sldLayout xmlns:a="http://schemas.openxmlformats.org/drawingml/2006/main" xmlns:r="http://schemas.openxmlformats.org/officeDocument/2006/relationships" xmlns:p="http://schemas.openxmlformats.org/presentationml/2006/main" showMasterSp="0" type="blank" preserve="1">
   <p:cSld name="Blank">
     <p:spTree>
       <p:nvGrpSpPr>
@@ -12082,7 +12338,7 @@
             <a:fld id="{83E5EE5E-2BFB-4159-89CB-07257F483B3F}" type="datetimeFigureOut">
               <a:rPr lang="en-US" smtClean="0"/>
               <a:pPr/>
-              <a:t>11/28/2018</a:t>
+              <a:t>12/7/2018</a:t>
             </a:fld>
             <a:endParaRPr lang="en-US"/>
           </a:p>
@@ -12148,7 +12404,7 @@
 </file>
 
 <file path=ppt/slideLayouts/slideLayout8.xml><?xml version="1.0" encoding="utf-8"?>
-<p:sldLayout xmlns:a="http://schemas.openxmlformats.org/drawingml/2006/main" xmlns:r="http://schemas.openxmlformats.org/officeDocument/2006/relationships" xmlns:p="http://schemas.openxmlformats.org/presentationml/2006/main" type="objTx" preserve="1">
+<p:sldLayout xmlns:a="http://schemas.openxmlformats.org/drawingml/2006/main" xmlns:r="http://schemas.openxmlformats.org/officeDocument/2006/relationships" xmlns:p="http://schemas.openxmlformats.org/presentationml/2006/main" showMasterSp="0" type="objTx" preserve="1">
   <p:cSld name="Content with Caption">
     <p:spTree>
       <p:nvGrpSpPr>
@@ -12362,7 +12618,7 @@
             <a:fld id="{83E5EE5E-2BFB-4159-89CB-07257F483B3F}" type="datetimeFigureOut">
               <a:rPr lang="en-US" smtClean="0"/>
               <a:pPr/>
-              <a:t>11/28/2018</a:t>
+              <a:t>12/7/2018</a:t>
             </a:fld>
             <a:endParaRPr lang="en-US"/>
           </a:p>
@@ -12428,7 +12684,7 @@
 </file>
 
 <file path=ppt/slideLayouts/slideLayout9.xml><?xml version="1.0" encoding="utf-8"?>
-<p:sldLayout xmlns:a="http://schemas.openxmlformats.org/drawingml/2006/main" xmlns:r="http://schemas.openxmlformats.org/officeDocument/2006/relationships" xmlns:p="http://schemas.openxmlformats.org/presentationml/2006/main" type="picTx" preserve="1">
+<p:sldLayout xmlns:a="http://schemas.openxmlformats.org/drawingml/2006/main" xmlns:r="http://schemas.openxmlformats.org/officeDocument/2006/relationships" xmlns:p="http://schemas.openxmlformats.org/presentationml/2006/main" showMasterSp="0" type="picTx" preserve="1">
   <p:cSld name="Picture with Caption">
     <p:spTree>
       <p:nvGrpSpPr>
@@ -12619,7 +12875,7 @@
             <a:fld id="{83E5EE5E-2BFB-4159-89CB-07257F483B3F}" type="datetimeFigureOut">
               <a:rPr lang="en-US" smtClean="0"/>
               <a:pPr/>
-              <a:t>11/28/2018</a:t>
+              <a:t>12/7/2018</a:t>
             </a:fld>
             <a:endParaRPr lang="en-US"/>
           </a:p>
@@ -12688,9 +12944,12 @@
 <p:sldMaster xmlns:a="http://schemas.openxmlformats.org/drawingml/2006/main" xmlns:r="http://schemas.openxmlformats.org/officeDocument/2006/relationships" xmlns:p="http://schemas.openxmlformats.org/presentationml/2006/main">
   <p:cSld>
     <p:bg>
-      <p:bgRef idx="1001">
-        <a:schemeClr val="bg1"/>
-      </p:bgRef>
+      <p:bgPr>
+        <a:solidFill>
+          <a:schemeClr val="bg1"/>
+        </a:solidFill>
+        <a:effectLst/>
+      </p:bgPr>
     </p:bg>
     <p:spTree>
       <p:nvGrpSpPr>
@@ -12837,7 +13096,7 @@
             <a:fld id="{83E5EE5E-2BFB-4159-89CB-07257F483B3F}" type="datetimeFigureOut">
               <a:rPr lang="en-US" smtClean="0"/>
               <a:pPr/>
-              <a:t>11/28/2018</a:t>
+              <a:t>12/7/2018</a:t>
             </a:fld>
             <a:endParaRPr lang="en-US" dirty="0"/>
           </a:p>
@@ -13325,16 +13584,8 @@
 </file>
 
 <file path=ppt/slides/slide1.xml><?xml version="1.0" encoding="utf-8"?>
-<p:sld xmlns:a="http://schemas.openxmlformats.org/drawingml/2006/main" xmlns:r="http://schemas.openxmlformats.org/officeDocument/2006/relationships" xmlns:p="http://schemas.openxmlformats.org/presentationml/2006/main">
+<p:sld xmlns:a="http://schemas.openxmlformats.org/drawingml/2006/main" xmlns:r="http://schemas.openxmlformats.org/officeDocument/2006/relationships" xmlns:p="http://schemas.openxmlformats.org/presentationml/2006/main" showMasterSp="0">
   <p:cSld>
-    <p:bg>
-      <p:bgPr>
-        <a:solidFill>
-          <a:schemeClr val="bg1"/>
-        </a:solidFill>
-        <a:effectLst/>
-      </p:bgPr>
-    </p:bg>
     <p:spTree>
       <p:nvGrpSpPr>
         <p:cNvPr id="1" name=""/>
@@ -13675,16 +13926,8 @@
 </file>
 
 <file path=ppt/slides/slide10.xml><?xml version="1.0" encoding="utf-8"?>
-<p:sld xmlns:a="http://schemas.openxmlformats.org/drawingml/2006/main" xmlns:r="http://schemas.openxmlformats.org/officeDocument/2006/relationships" xmlns:p="http://schemas.openxmlformats.org/presentationml/2006/main">
+<p:sld xmlns:a="http://schemas.openxmlformats.org/drawingml/2006/main" xmlns:r="http://schemas.openxmlformats.org/officeDocument/2006/relationships" xmlns:p="http://schemas.openxmlformats.org/presentationml/2006/main" showMasterSp="0">
   <p:cSld>
-    <p:bg>
-      <p:bgPr>
-        <a:solidFill>
-          <a:schemeClr val="bg1"/>
-        </a:solidFill>
-        <a:effectLst/>
-      </p:bgPr>
-    </p:bg>
     <p:spTree>
       <p:nvGrpSpPr>
         <p:cNvPr id="1" name=""/>
@@ -14070,16 +14313,8 @@
 </file>
 
 <file path=ppt/slides/slide11.xml><?xml version="1.0" encoding="utf-8"?>
-<p:sld xmlns:a="http://schemas.openxmlformats.org/drawingml/2006/main" xmlns:r="http://schemas.openxmlformats.org/officeDocument/2006/relationships" xmlns:p="http://schemas.openxmlformats.org/presentationml/2006/main">
+<p:sld xmlns:a="http://schemas.openxmlformats.org/drawingml/2006/main" xmlns:r="http://schemas.openxmlformats.org/officeDocument/2006/relationships" xmlns:p="http://schemas.openxmlformats.org/presentationml/2006/main" showMasterSp="0">
   <p:cSld>
-    <p:bg>
-      <p:bgPr>
-        <a:solidFill>
-          <a:schemeClr val="bg1"/>
-        </a:solidFill>
-        <a:effectLst/>
-      </p:bgPr>
-    </p:bg>
     <p:spTree>
       <p:nvGrpSpPr>
         <p:cNvPr id="1" name=""/>
@@ -14420,16 +14655,8 @@
 </file>
 
 <file path=ppt/slides/slide12.xml><?xml version="1.0" encoding="utf-8"?>
-<p:sld xmlns:a="http://schemas.openxmlformats.org/drawingml/2006/main" xmlns:r="http://schemas.openxmlformats.org/officeDocument/2006/relationships" xmlns:p="http://schemas.openxmlformats.org/presentationml/2006/main">
+<p:sld xmlns:a="http://schemas.openxmlformats.org/drawingml/2006/main" xmlns:r="http://schemas.openxmlformats.org/officeDocument/2006/relationships" xmlns:p="http://schemas.openxmlformats.org/presentationml/2006/main" showMasterSp="0">
   <p:cSld>
-    <p:bg>
-      <p:bgPr>
-        <a:solidFill>
-          <a:schemeClr val="bg1"/>
-        </a:solidFill>
-        <a:effectLst/>
-      </p:bgPr>
-    </p:bg>
     <p:spTree>
       <p:nvGrpSpPr>
         <p:cNvPr id="1" name=""/>
@@ -14525,16 +14752,8 @@
 </file>
 
 <file path=ppt/slides/slide13.xml><?xml version="1.0" encoding="utf-8"?>
-<p:sld xmlns:a="http://schemas.openxmlformats.org/drawingml/2006/main" xmlns:r="http://schemas.openxmlformats.org/officeDocument/2006/relationships" xmlns:p="http://schemas.openxmlformats.org/presentationml/2006/main">
+<p:sld xmlns:a="http://schemas.openxmlformats.org/drawingml/2006/main" xmlns:r="http://schemas.openxmlformats.org/officeDocument/2006/relationships" xmlns:p="http://schemas.openxmlformats.org/presentationml/2006/main" showMasterSp="0">
   <p:cSld>
-    <p:bg>
-      <p:bgPr>
-        <a:solidFill>
-          <a:schemeClr val="bg1"/>
-        </a:solidFill>
-        <a:effectLst/>
-      </p:bgPr>
-    </p:bg>
     <p:spTree>
       <p:nvGrpSpPr>
         <p:cNvPr id="1" name=""/>
@@ -14637,17 +14856,562 @@
 </p:sld>
 </file>
 
+<file path=ppt/slides/slide14.xml><?xml version="1.0" encoding="utf-8"?>
+<p:sld xmlns:a="http://schemas.openxmlformats.org/drawingml/2006/main" xmlns:r="http://schemas.openxmlformats.org/officeDocument/2006/relationships" xmlns:p="http://schemas.openxmlformats.org/presentationml/2006/main" showMasterSp="0">
+  <p:cSld>
+    <p:spTree>
+      <p:nvGrpSpPr>
+        <p:cNvPr id="1" name=""/>
+        <p:cNvGrpSpPr/>
+        <p:nvPr/>
+      </p:nvGrpSpPr>
+      <p:grpSpPr>
+        <a:xfrm>
+          <a:off x="0" y="0"/>
+          <a:ext cx="0" cy="0"/>
+          <a:chOff x="0" y="0"/>
+          <a:chExt cx="0" cy="0"/>
+        </a:xfrm>
+      </p:grpSpPr>
+      <p:sp>
+        <p:nvSpPr>
+          <p:cNvPr id="16" name="Rectangle 9">
+            <a:extLst>
+              <a:ext uri="{FF2B5EF4-FFF2-40B4-BE49-F238E27FC236}">
+                <a16:creationId xmlns:a16="http://schemas.microsoft.com/office/drawing/2014/main" id="{AFA67CD3-AB4E-4A7A-BEB8-53C445D8C44E}"/>
+              </a:ext>
+              <a:ext uri="{C183D7F6-B498-43B3-948B-1728B52AA6E4}">
+                <adec:decorative xmlns:adec="http://schemas.microsoft.com/office/drawing/2017/decorative" val="1"/>
+              </a:ext>
+            </a:extLst>
+          </p:cNvPr>
+          <p:cNvSpPr>
+            <a:spLocks noGrp="1" noRot="1" noChangeAspect="1" noMove="1" noResize="1" noEditPoints="1" noAdjustHandles="1" noChangeArrowheads="1" noChangeShapeType="1" noTextEdit="1"/>
+          </p:cNvSpPr>
+          <p:nvPr>
+            <p:extLst>
+              <p:ext uri="{386F3935-93C4-4BCD-93E2-E3B085C9AB24}">
+                <p16:designElem xmlns:p16="http://schemas.microsoft.com/office/powerpoint/2015/main" val="1"/>
+              </p:ext>
+            </p:extLst>
+          </p:nvPr>
+        </p:nvSpPr>
+        <p:spPr>
+          <a:xfrm>
+            <a:off x="0" y="860045"/>
+            <a:ext cx="4694659" cy="5734050"/>
+          </a:xfrm>
+          <a:prstGeom prst="rect">
+            <a:avLst/>
+          </a:prstGeom>
+          <a:gradFill>
+            <a:gsLst>
+              <a:gs pos="0">
+                <a:schemeClr val="accent1">
+                  <a:lumMod val="100000"/>
+                  <a:alpha val="82000"/>
+                </a:schemeClr>
+              </a:gs>
+              <a:gs pos="25000">
+                <a:schemeClr val="accent1">
+                  <a:alpha val="60000"/>
+                </a:schemeClr>
+              </a:gs>
+              <a:gs pos="94000">
+                <a:schemeClr val="bg2">
+                  <a:lumMod val="75000"/>
+                </a:schemeClr>
+              </a:gs>
+              <a:gs pos="100000">
+                <a:schemeClr val="bg2">
+                  <a:lumMod val="75000"/>
+                </a:schemeClr>
+              </a:gs>
+            </a:gsLst>
+            <a:lin ang="4200000" scaled="0"/>
+          </a:gradFill>
+          <a:ln>
+            <a:noFill/>
+          </a:ln>
+        </p:spPr>
+        <p:style>
+          <a:lnRef idx="2">
+            <a:schemeClr val="accent1">
+              <a:shade val="50000"/>
+            </a:schemeClr>
+          </a:lnRef>
+          <a:fillRef idx="1">
+            <a:schemeClr val="accent1"/>
+          </a:fillRef>
+          <a:effectRef idx="0">
+            <a:schemeClr val="accent1"/>
+          </a:effectRef>
+          <a:fontRef idx="minor">
+            <a:schemeClr val="lt1"/>
+          </a:fontRef>
+        </p:style>
+        <p:txBody>
+          <a:bodyPr rtlCol="0" anchor="ctr"/>
+          <a:lstStyle/>
+          <a:p>
+            <a:pPr algn="ctr"/>
+            <a:endParaRPr lang="en-US" sz="1350"/>
+          </a:p>
+        </p:txBody>
+      </p:sp>
+      <p:pic>
+        <p:nvPicPr>
+          <p:cNvPr id="17" name="Picture 11">
+            <a:extLst>
+              <a:ext uri="{FF2B5EF4-FFF2-40B4-BE49-F238E27FC236}">
+                <a16:creationId xmlns:a16="http://schemas.microsoft.com/office/drawing/2014/main" id="{07CF545F-9C2E-4446-97CD-AD92990C2B68}"/>
+              </a:ext>
+              <a:ext uri="{C183D7F6-B498-43B3-948B-1728B52AA6E4}">
+                <adec:decorative xmlns:adec="http://schemas.microsoft.com/office/drawing/2017/decorative" val="1"/>
+              </a:ext>
+            </a:extLst>
+          </p:cNvPr>
+          <p:cNvPicPr>
+            <a:picLocks noGrp="1" noRot="1" noChangeAspect="1" noMove="1" noResize="1" noEditPoints="1" noAdjustHandles="1" noChangeArrowheads="1" noChangeShapeType="1" noCrop="1"/>
+          </p:cNvPicPr>
+          <p:nvPr>
+            <p:extLst>
+              <p:ext uri="{386F3935-93C4-4BCD-93E2-E3B085C9AB24}">
+                <p16:designElem xmlns:p16="http://schemas.microsoft.com/office/powerpoint/2015/main" val="1"/>
+              </p:ext>
+            </p:extLst>
+          </p:nvPr>
+        </p:nvPicPr>
+        <p:blipFill rotWithShape="1">
+          <a:blip r:embed="rId3">
+            <a:extLst>
+              <a:ext uri="{28A0092B-C50C-407E-A947-70E740481C1C}">
+                <a14:useLocalDpi xmlns:a14="http://schemas.microsoft.com/office/drawing/2010/main" val="0"/>
+              </a:ext>
+            </a:extLst>
+          </a:blip>
+          <a:srcRect r="10299"/>
+          <a:stretch/>
+        </p:blipFill>
+        <p:spPr>
+          <a:xfrm>
+            <a:off x="-1" y="857250"/>
+            <a:ext cx="9144001" cy="5734050"/>
+          </a:xfrm>
+          <a:prstGeom prst="rect">
+            <a:avLst/>
+          </a:prstGeom>
+        </p:spPr>
+      </p:pic>
+      <p:sp>
+        <p:nvSpPr>
+          <p:cNvPr id="3" name="Title 2">
+            <a:extLst>
+              <a:ext uri="{FF2B5EF4-FFF2-40B4-BE49-F238E27FC236}">
+                <a16:creationId xmlns:a16="http://schemas.microsoft.com/office/drawing/2014/main" id="{2397AA33-34EC-414C-BECF-F592288E8671}"/>
+              </a:ext>
+            </a:extLst>
+          </p:cNvPr>
+          <p:cNvSpPr>
+            <a:spLocks noGrp="1"/>
+          </p:cNvSpPr>
+          <p:nvPr>
+            <p:ph type="title"/>
+          </p:nvPr>
+        </p:nvSpPr>
+        <p:spPr>
+          <a:xfrm>
+            <a:off x="4570578" y="1257300"/>
+            <a:ext cx="3988849" cy="1381125"/>
+          </a:xfrm>
+        </p:spPr>
+        <p:txBody>
+          <a:bodyPr vert="horz" lIns="91440" tIns="45720" rIns="91440" bIns="45720" rtlCol="0" anchor="ctr">
+            <a:normAutofit/>
+          </a:bodyPr>
+          <a:lstStyle/>
+          <a:p>
+            <a:pPr algn="l">
+              <a:lnSpc>
+                <a:spcPct val="90000"/>
+              </a:lnSpc>
+            </a:pPr>
+            <a:r>
+              <a:rPr lang="en-US" sz="4100" kern="1200">
+                <a:solidFill>
+                  <a:srgbClr val="000000"/>
+                </a:solidFill>
+                <a:latin typeface="+mj-lt"/>
+                <a:ea typeface="+mj-ea"/>
+                <a:cs typeface="+mj-cs"/>
+              </a:rPr>
+              <a:t>Behind the Scenes and Demo</a:t>
+            </a:r>
+          </a:p>
+        </p:txBody>
+      </p:sp>
+      <p:sp>
+        <p:nvSpPr>
+          <p:cNvPr id="18" name="Freeform 62">
+            <a:extLst>
+              <a:ext uri="{FF2B5EF4-FFF2-40B4-BE49-F238E27FC236}">
+                <a16:creationId xmlns:a16="http://schemas.microsoft.com/office/drawing/2014/main" id="{339C8D78-A644-462F-B674-F440635E5353}"/>
+              </a:ext>
+              <a:ext uri="{C183D7F6-B498-43B3-948B-1728B52AA6E4}">
+                <adec:decorative xmlns:adec="http://schemas.microsoft.com/office/drawing/2017/decorative" val="1"/>
+              </a:ext>
+            </a:extLst>
+          </p:cNvPr>
+          <p:cNvSpPr>
+            <a:spLocks noGrp="1" noRot="1" noChangeAspect="1" noMove="1" noResize="1" noEditPoints="1" noAdjustHandles="1" noChangeArrowheads="1" noChangeShapeType="1" noTextEdit="1"/>
+          </p:cNvSpPr>
+          <p:nvPr>
+            <p:extLst>
+              <p:ext uri="{386F3935-93C4-4BCD-93E2-E3B085C9AB24}">
+                <p16:designElem xmlns:p16="http://schemas.microsoft.com/office/powerpoint/2015/main" val="1"/>
+              </p:ext>
+            </p:extLst>
+          </p:nvPr>
+        </p:nvSpPr>
+        <p:spPr>
+          <a:xfrm>
+            <a:off x="-9525" y="1468363"/>
+            <a:ext cx="4180922" cy="4515805"/>
+          </a:xfrm>
+          <a:custGeom>
+            <a:avLst/>
+            <a:gdLst>
+              <a:gd name="connsiteX0" fmla="*/ 2299956 w 5000438"/>
+              <a:gd name="connsiteY0" fmla="*/ 0 h 5400962"/>
+              <a:gd name="connsiteX1" fmla="*/ 5000438 w 5000438"/>
+              <a:gd name="connsiteY1" fmla="*/ 2700481 h 5400962"/>
+              <a:gd name="connsiteX2" fmla="*/ 2299956 w 5000438"/>
+              <a:gd name="connsiteY2" fmla="*/ 5400962 h 5400962"/>
+              <a:gd name="connsiteX3" fmla="*/ 60675 w 5000438"/>
+              <a:gd name="connsiteY3" fmla="*/ 4210346 h 5400962"/>
+              <a:gd name="connsiteX4" fmla="*/ 0 w 5000438"/>
+              <a:gd name="connsiteY4" fmla="*/ 4110472 h 5400962"/>
+              <a:gd name="connsiteX5" fmla="*/ 0 w 5000438"/>
+              <a:gd name="connsiteY5" fmla="*/ 1290491 h 5400962"/>
+              <a:gd name="connsiteX6" fmla="*/ 60675 w 5000438"/>
+              <a:gd name="connsiteY6" fmla="*/ 1190617 h 5400962"/>
+              <a:gd name="connsiteX7" fmla="*/ 2299956 w 5000438"/>
+              <a:gd name="connsiteY7" fmla="*/ 0 h 5400962"/>
+            </a:gdLst>
+            <a:ahLst/>
+            <a:cxnLst>
+              <a:cxn ang="0">
+                <a:pos x="connsiteX0" y="connsiteY0"/>
+              </a:cxn>
+              <a:cxn ang="0">
+                <a:pos x="connsiteX1" y="connsiteY1"/>
+              </a:cxn>
+              <a:cxn ang="0">
+                <a:pos x="connsiteX2" y="connsiteY2"/>
+              </a:cxn>
+              <a:cxn ang="0">
+                <a:pos x="connsiteX3" y="connsiteY3"/>
+              </a:cxn>
+              <a:cxn ang="0">
+                <a:pos x="connsiteX4" y="connsiteY4"/>
+              </a:cxn>
+              <a:cxn ang="0">
+                <a:pos x="connsiteX5" y="connsiteY5"/>
+              </a:cxn>
+              <a:cxn ang="0">
+                <a:pos x="connsiteX6" y="connsiteY6"/>
+              </a:cxn>
+              <a:cxn ang="0">
+                <a:pos x="connsiteX7" y="connsiteY7"/>
+              </a:cxn>
+            </a:cxnLst>
+            <a:rect l="l" t="t" r="r" b="b"/>
+            <a:pathLst>
+              <a:path w="5000438" h="5400962">
+                <a:moveTo>
+                  <a:pt x="2299956" y="0"/>
+                </a:moveTo>
+                <a:cubicBezTo>
+                  <a:pt x="3791390" y="0"/>
+                  <a:pt x="5000438" y="1209047"/>
+                  <a:pt x="5000438" y="2700481"/>
+                </a:cubicBezTo>
+                <a:cubicBezTo>
+                  <a:pt x="5000438" y="4191915"/>
+                  <a:pt x="3791390" y="5400962"/>
+                  <a:pt x="2299956" y="5400962"/>
+                </a:cubicBezTo>
+                <a:cubicBezTo>
+                  <a:pt x="1367810" y="5400962"/>
+                  <a:pt x="545971" y="4928678"/>
+                  <a:pt x="60675" y="4210346"/>
+                </a:cubicBezTo>
+                <a:lnTo>
+                  <a:pt x="0" y="4110472"/>
+                </a:lnTo>
+                <a:lnTo>
+                  <a:pt x="0" y="1290491"/>
+                </a:lnTo>
+                <a:lnTo>
+                  <a:pt x="60675" y="1190617"/>
+                </a:lnTo>
+                <a:cubicBezTo>
+                  <a:pt x="545971" y="472284"/>
+                  <a:pt x="1367810" y="0"/>
+                  <a:pt x="2299956" y="0"/>
+                </a:cubicBezTo>
+                <a:close/>
+              </a:path>
+            </a:pathLst>
+          </a:custGeom>
+          <a:solidFill>
+            <a:srgbClr val="FFFFFF"/>
+          </a:solidFill>
+          <a:ln>
+            <a:gradFill>
+              <a:gsLst>
+                <a:gs pos="0">
+                  <a:schemeClr val="accent1">
+                    <a:lumMod val="40000"/>
+                    <a:lumOff val="60000"/>
+                  </a:schemeClr>
+                </a:gs>
+                <a:gs pos="23000">
+                  <a:schemeClr val="accent1">
+                    <a:lumMod val="45000"/>
+                    <a:lumOff val="55000"/>
+                  </a:schemeClr>
+                </a:gs>
+                <a:gs pos="83000">
+                  <a:schemeClr val="bg2">
+                    <a:lumMod val="85000"/>
+                  </a:schemeClr>
+                </a:gs>
+                <a:gs pos="100000">
+                  <a:schemeClr val="bg2">
+                    <a:lumMod val="85000"/>
+                  </a:schemeClr>
+                </a:gs>
+              </a:gsLst>
+              <a:lin ang="5400000" scaled="1"/>
+            </a:gradFill>
+          </a:ln>
+        </p:spPr>
+        <p:style>
+          <a:lnRef idx="2">
+            <a:schemeClr val="accent1">
+              <a:shade val="50000"/>
+            </a:schemeClr>
+          </a:lnRef>
+          <a:fillRef idx="1">
+            <a:schemeClr val="accent1"/>
+          </a:fillRef>
+          <a:effectRef idx="0">
+            <a:schemeClr val="accent1"/>
+          </a:effectRef>
+          <a:fontRef idx="minor">
+            <a:schemeClr val="lt1"/>
+          </a:fontRef>
+        </p:style>
+        <p:txBody>
+          <a:bodyPr wrap="square" rtlCol="0" anchor="ctr">
+            <a:noAutofit/>
+          </a:bodyPr>
+          <a:lstStyle/>
+          <a:p>
+            <a:pPr algn="ctr"/>
+            <a:endParaRPr lang="en-US" sz="1350"/>
+          </a:p>
+        </p:txBody>
+      </p:sp>
+      <p:pic>
+        <p:nvPicPr>
+          <p:cNvPr id="19" name="Graphic 6" descr="Video camera">
+            <a:extLst>
+              <a:ext uri="{FF2B5EF4-FFF2-40B4-BE49-F238E27FC236}">
+                <a16:creationId xmlns:a16="http://schemas.microsoft.com/office/drawing/2014/main" id="{A1A072EE-667C-4F03-9D6D-0217660777A9}"/>
+              </a:ext>
+            </a:extLst>
+          </p:cNvPr>
+          <p:cNvPicPr>
+            <a:picLocks noChangeAspect="1"/>
+          </p:cNvPicPr>
+          <p:nvPr/>
+        </p:nvPicPr>
+        <p:blipFill>
+          <a:blip r:embed="rId4">
+            <a:extLst>
+              <a:ext uri="{28A0092B-C50C-407E-A947-70E740481C1C}">
+                <a14:useLocalDpi xmlns:a14="http://schemas.microsoft.com/office/drawing/2010/main" val="0"/>
+              </a:ext>
+              <a:ext uri="{96DAC541-7B7A-43D3-8B79-37D633B846F1}">
+                <asvg:svgBlip xmlns:asvg="http://schemas.microsoft.com/office/drawing/2016/SVG/main" r:embed="rId5"/>
+              </a:ext>
+            </a:extLst>
+          </a:blip>
+          <a:stretch>
+            <a:fillRect/>
+          </a:stretch>
+        </p:blipFill>
+        <p:spPr>
+          <a:xfrm>
+            <a:off x="339490" y="2079067"/>
+            <a:ext cx="3026740" cy="3026740"/>
+          </a:xfrm>
+          <a:prstGeom prst="rect">
+            <a:avLst/>
+          </a:prstGeom>
+        </p:spPr>
+      </p:pic>
+      <p:sp>
+        <p:nvSpPr>
+          <p:cNvPr id="2" name="Content Placeholder 1">
+            <a:extLst>
+              <a:ext uri="{FF2B5EF4-FFF2-40B4-BE49-F238E27FC236}">
+                <a16:creationId xmlns:a16="http://schemas.microsoft.com/office/drawing/2014/main" id="{57DB1AF4-3120-4E7A-B1DC-12BD5032EFCA}"/>
+              </a:ext>
+            </a:extLst>
+          </p:cNvPr>
+          <p:cNvSpPr>
+            <a:spLocks noGrp="1"/>
+          </p:cNvSpPr>
+          <p:nvPr>
+            <p:ph idx="1"/>
+          </p:nvPr>
+        </p:nvSpPr>
+        <p:spPr>
+          <a:xfrm>
+            <a:off x="4570579" y="2947260"/>
+            <a:ext cx="4003614" cy="2927188"/>
+          </a:xfrm>
+        </p:spPr>
+        <p:txBody>
+          <a:bodyPr vert="horz" lIns="91440" tIns="45720" rIns="91440" bIns="45720" rtlCol="0" anchor="ctr">
+            <a:normAutofit/>
+          </a:bodyPr>
+          <a:lstStyle/>
+          <a:p>
+            <a:pPr indent="-228600">
+              <a:lnSpc>
+                <a:spcPct val="90000"/>
+              </a:lnSpc>
+            </a:pPr>
+            <a:r>
+              <a:rPr lang="en-US" sz="1500">
+                <a:solidFill>
+                  <a:srgbClr val="000000"/>
+                </a:solidFill>
+                <a:latin typeface="+mn-lt"/>
+                <a:cs typeface="+mn-cs"/>
+              </a:rPr>
+              <a:t>Behind the Scenes </a:t>
+            </a:r>
+          </a:p>
+          <a:p>
+            <a:pPr marL="0" indent="-228600">
+              <a:lnSpc>
+                <a:spcPct val="90000"/>
+              </a:lnSpc>
+            </a:pPr>
+            <a:r>
+              <a:rPr lang="en-US" sz="1500">
+                <a:solidFill>
+                  <a:srgbClr val="000000"/>
+                </a:solidFill>
+                <a:latin typeface="+mn-lt"/>
+                <a:cs typeface="+mn-cs"/>
+                <a:hlinkClick r:id="rId6"/>
+              </a:rPr>
+              <a:t>https://youtu.be/DjS4_9E_05k</a:t>
+            </a:r>
+            <a:r>
+              <a:rPr lang="en-US" sz="1500">
+                <a:solidFill>
+                  <a:srgbClr val="000000"/>
+                </a:solidFill>
+                <a:latin typeface="+mn-lt"/>
+                <a:cs typeface="+mn-cs"/>
+              </a:rPr>
+              <a:t> </a:t>
+            </a:r>
+          </a:p>
+          <a:p>
+            <a:pPr marL="0" indent="-228600">
+              <a:lnSpc>
+                <a:spcPct val="90000"/>
+              </a:lnSpc>
+            </a:pPr>
+            <a:endParaRPr lang="en-US" sz="1500">
+              <a:solidFill>
+                <a:srgbClr val="000000"/>
+              </a:solidFill>
+              <a:latin typeface="+mn-lt"/>
+              <a:cs typeface="+mn-cs"/>
+            </a:endParaRPr>
+          </a:p>
+          <a:p>
+            <a:pPr indent="-228600">
+              <a:lnSpc>
+                <a:spcPct val="90000"/>
+              </a:lnSpc>
+            </a:pPr>
+            <a:r>
+              <a:rPr lang="en-US" sz="1500">
+                <a:solidFill>
+                  <a:srgbClr val="000000"/>
+                </a:solidFill>
+                <a:latin typeface="+mn-lt"/>
+                <a:cs typeface="+mn-cs"/>
+              </a:rPr>
+              <a:t>Demo gameplay video</a:t>
+            </a:r>
+          </a:p>
+          <a:p>
+            <a:pPr marL="0" indent="-228600">
+              <a:lnSpc>
+                <a:spcPct val="90000"/>
+              </a:lnSpc>
+            </a:pPr>
+            <a:r>
+              <a:rPr lang="en-US" sz="1500">
+                <a:solidFill>
+                  <a:srgbClr val="000000"/>
+                </a:solidFill>
+                <a:latin typeface="+mn-lt"/>
+                <a:cs typeface="+mn-cs"/>
+                <a:hlinkClick r:id="rId7"/>
+              </a:rPr>
+              <a:t>https://youtu.be/XEyqirscIt0</a:t>
+            </a:r>
+            <a:r>
+              <a:rPr lang="en-US" sz="1500">
+                <a:solidFill>
+                  <a:srgbClr val="000000"/>
+                </a:solidFill>
+                <a:latin typeface="+mn-lt"/>
+                <a:cs typeface="+mn-cs"/>
+              </a:rPr>
+              <a:t> </a:t>
+            </a:r>
+          </a:p>
+        </p:txBody>
+      </p:sp>
+    </p:spTree>
+    <p:extLst>
+      <p:ext uri="{BB962C8B-B14F-4D97-AF65-F5344CB8AC3E}">
+        <p14:creationId xmlns:p14="http://schemas.microsoft.com/office/powerpoint/2010/main" val="3768964807"/>
+      </p:ext>
+    </p:extLst>
+  </p:cSld>
+  <p:clrMapOvr>
+    <a:masterClrMapping/>
+  </p:clrMapOvr>
+</p:sld>
+</file>
+
 <file path=ppt/slides/slide2.xml><?xml version="1.0" encoding="utf-8"?>
-<p:sld xmlns:a="http://schemas.openxmlformats.org/drawingml/2006/main" xmlns:r="http://schemas.openxmlformats.org/officeDocument/2006/relationships" xmlns:p="http://schemas.openxmlformats.org/presentationml/2006/main">
+<p:sld xmlns:a="http://schemas.openxmlformats.org/drawingml/2006/main" xmlns:r="http://schemas.openxmlformats.org/officeDocument/2006/relationships" xmlns:p="http://schemas.openxmlformats.org/presentationml/2006/main" showMasterSp="0">
   <p:cSld>
-    <p:bg>
-      <p:bgPr>
-        <a:solidFill>
-          <a:schemeClr val="bg1"/>
-        </a:solidFill>
-        <a:effectLst/>
-      </p:bgPr>
-    </p:bg>
     <p:spTree>
       <p:nvGrpSpPr>
         <p:cNvPr id="1" name=""/>
@@ -14713,7 +15477,7 @@
             <p:ph idx="1"/>
             <p:extLst>
               <p:ext uri="{D42A27DB-BD31-4B8C-83A1-F6EECF244321}">
-                <p14:modId xmlns:p14="http://schemas.microsoft.com/office/powerpoint/2010/main" val="3937467980"/>
+                <p14:modId xmlns:p14="http://schemas.microsoft.com/office/powerpoint/2010/main" val="1372321465"/>
               </p:ext>
             </p:extLst>
           </p:nvPr>
@@ -15021,7 +15785,35 @@
                           <a:spcPts val="0"/>
                         </a:spcAft>
                       </a:pPr>
-                      <a:endParaRPr lang="en-US" sz="1700">
+                      <a:r>
+                        <a:rPr lang="en-US" sz="1700" dirty="0">
+                          <a:solidFill>
+                            <a:schemeClr val="tx1">
+                              <a:lumMod val="85000"/>
+                              <a:lumOff val="15000"/>
+                            </a:schemeClr>
+                          </a:solidFill>
+                          <a:latin typeface="Arial" pitchFamily="34" charset="0"/>
+                          <a:ea typeface="Times New Roman"/>
+                          <a:cs typeface="Arial" pitchFamily="34" charset="0"/>
+                        </a:rPr>
+                        <a:t>Player, Opponent </a:t>
+                      </a:r>
+                      <a:r>
+                        <a:rPr lang="en-US" sz="1700">
+                          <a:solidFill>
+                            <a:schemeClr val="tx1">
+                              <a:lumMod val="85000"/>
+                              <a:lumOff val="15000"/>
+                            </a:schemeClr>
+                          </a:solidFill>
+                          <a:latin typeface="Arial" pitchFamily="34" charset="0"/>
+                          <a:ea typeface="Times New Roman"/>
+                          <a:cs typeface="Arial" pitchFamily="34" charset="0"/>
+                        </a:rPr>
+                        <a:t>and Summary</a:t>
+                      </a:r>
+                      <a:endParaRPr lang="en-US" sz="1700" dirty="0">
                         <a:solidFill>
                           <a:schemeClr val="tx1">
                             <a:lumMod val="85000"/>
@@ -15258,17 +16050,20 @@
                           <a:spcPts val="0"/>
                         </a:spcAft>
                       </a:pPr>
-                      <a:endParaRPr lang="en-US" sz="1700">
-                        <a:solidFill>
-                          <a:schemeClr val="tx1">
-                            <a:lumMod val="85000"/>
-                            <a:lumOff val="15000"/>
-                          </a:schemeClr>
-                        </a:solidFill>
-                        <a:latin typeface="Arial" pitchFamily="34" charset="0"/>
-                        <a:ea typeface="Times New Roman"/>
-                        <a:cs typeface="Arial" pitchFamily="34" charset="0"/>
-                      </a:endParaRPr>
+                      <a:r>
+                        <a:rPr lang="en-US" sz="1700" dirty="0">
+                          <a:solidFill>
+                            <a:schemeClr val="tx1">
+                              <a:lumMod val="85000"/>
+                              <a:lumOff val="15000"/>
+                            </a:schemeClr>
+                          </a:solidFill>
+                          <a:latin typeface="Arial" pitchFamily="34" charset="0"/>
+                          <a:ea typeface="Times New Roman"/>
+                          <a:cs typeface="Arial" pitchFamily="34" charset="0"/>
+                        </a:rPr>
+                        <a:t>Introduction and Questions</a:t>
+                      </a:r>
                     </a:p>
                   </a:txBody>
                   <a:tcPr marL="249122" marR="149473" marT="149473" marB="149473">
@@ -15322,7 +16117,7 @@
                         </a:spcAft>
                       </a:pPr>
                       <a:r>
-                        <a:rPr lang="en-US" sz="1700">
+                        <a:rPr lang="en-US" sz="1700" dirty="0">
                           <a:solidFill>
                             <a:schemeClr val="tx1">
                               <a:lumMod val="85000"/>
@@ -15495,17 +16290,20 @@
                           <a:spcPts val="0"/>
                         </a:spcAft>
                       </a:pPr>
-                      <a:endParaRPr lang="en-US" sz="1700">
-                        <a:solidFill>
-                          <a:schemeClr val="tx1">
-                            <a:lumMod val="85000"/>
-                            <a:lumOff val="15000"/>
-                          </a:schemeClr>
-                        </a:solidFill>
-                        <a:latin typeface="Arial" pitchFamily="34" charset="0"/>
-                        <a:ea typeface="Times New Roman"/>
-                        <a:cs typeface="Arial" pitchFamily="34" charset="0"/>
-                      </a:endParaRPr>
+                      <a:r>
+                        <a:rPr lang="en-US" sz="1700" dirty="0">
+                          <a:solidFill>
+                            <a:schemeClr val="tx1">
+                              <a:lumMod val="85000"/>
+                              <a:lumOff val="15000"/>
+                            </a:schemeClr>
+                          </a:solidFill>
+                          <a:latin typeface="Arial" pitchFamily="34" charset="0"/>
+                          <a:ea typeface="Times New Roman"/>
+                          <a:cs typeface="Arial" pitchFamily="34" charset="0"/>
+                        </a:rPr>
+                        <a:t>Overview and Quest </a:t>
+                      </a:r>
                     </a:p>
                   </a:txBody>
                   <a:tcPr marL="249122" marR="149473" marT="149473" marB="149473">
@@ -15559,7 +16357,7 @@
                         </a:spcAft>
                       </a:pPr>
                       <a:r>
-                        <a:rPr lang="en-US" sz="1700">
+                        <a:rPr lang="en-US" sz="1700" dirty="0">
                           <a:solidFill>
                             <a:schemeClr val="tx1">
                               <a:lumMod val="85000"/>
@@ -15730,17 +16528,20 @@
                           <a:spcPts val="0"/>
                         </a:spcAft>
                       </a:pPr>
-                      <a:endParaRPr lang="en-US" sz="1700">
-                        <a:solidFill>
-                          <a:schemeClr val="tx1">
-                            <a:lumMod val="85000"/>
-                            <a:lumOff val="15000"/>
-                          </a:schemeClr>
-                        </a:solidFill>
-                        <a:latin typeface="Arial" pitchFamily="34" charset="0"/>
-                        <a:ea typeface="Times New Roman"/>
-                        <a:cs typeface="Arial" pitchFamily="34" charset="0"/>
-                      </a:endParaRPr>
+                      <a:r>
+                        <a:rPr lang="en-US" sz="1700" dirty="0">
+                          <a:solidFill>
+                            <a:schemeClr val="tx1">
+                              <a:lumMod val="85000"/>
+                              <a:lumOff val="15000"/>
+                            </a:schemeClr>
+                          </a:solidFill>
+                          <a:latin typeface="Arial" pitchFamily="34" charset="0"/>
+                          <a:ea typeface="Times New Roman"/>
+                          <a:cs typeface="Arial" pitchFamily="34" charset="0"/>
+                        </a:rPr>
+                        <a:t>Menu, Controls and Sounds </a:t>
+                      </a:r>
                     </a:p>
                   </a:txBody>
                   <a:tcPr marL="249122" marR="149473" marT="149473" marB="149473">
@@ -15792,7 +16593,7 @@
                         </a:spcAft>
                       </a:pPr>
                       <a:r>
-                        <a:rPr lang="en-US" sz="1700">
+                        <a:rPr lang="en-US" sz="1700" dirty="0">
                           <a:solidFill>
                             <a:schemeClr val="tx1">
                               <a:lumMod val="85000"/>
@@ -15862,16 +16663,8 @@
 </file>
 
 <file path=ppt/slides/slide3.xml><?xml version="1.0" encoding="utf-8"?>
-<p:sld xmlns:a="http://schemas.openxmlformats.org/drawingml/2006/main" xmlns:r="http://schemas.openxmlformats.org/officeDocument/2006/relationships" xmlns:p="http://schemas.openxmlformats.org/presentationml/2006/main">
+<p:sld xmlns:a="http://schemas.openxmlformats.org/drawingml/2006/main" xmlns:r="http://schemas.openxmlformats.org/officeDocument/2006/relationships" xmlns:p="http://schemas.openxmlformats.org/presentationml/2006/main" showMasterSp="0">
   <p:cSld>
-    <p:bg>
-      <p:bgPr>
-        <a:solidFill>
-          <a:schemeClr val="bg1"/>
-        </a:solidFill>
-        <a:effectLst/>
-      </p:bgPr>
-    </p:bg>
     <p:spTree>
       <p:nvGrpSpPr>
         <p:cNvPr id="1" name=""/>
@@ -16447,16 +17240,8 @@
 </file>
 
 <file path=ppt/slides/slide4.xml><?xml version="1.0" encoding="utf-8"?>
-<p:sld xmlns:a="http://schemas.openxmlformats.org/drawingml/2006/main" xmlns:r="http://schemas.openxmlformats.org/officeDocument/2006/relationships" xmlns:p="http://schemas.openxmlformats.org/presentationml/2006/main">
+<p:sld xmlns:a="http://schemas.openxmlformats.org/drawingml/2006/main" xmlns:r="http://schemas.openxmlformats.org/officeDocument/2006/relationships" xmlns:p="http://schemas.openxmlformats.org/presentationml/2006/main" showMasterSp="0">
   <p:cSld>
-    <p:bg>
-      <p:bgPr>
-        <a:solidFill>
-          <a:schemeClr val="bg1"/>
-        </a:solidFill>
-        <a:effectLst/>
-      </p:bgPr>
-    </p:bg>
     <p:spTree>
       <p:nvGrpSpPr>
         <p:cNvPr id="1" name=""/>
@@ -16473,7 +17258,7 @@
       </p:grpSpPr>
       <p:sp>
         <p:nvSpPr>
-          <p:cNvPr id="10" name="Rectangle 9">
+          <p:cNvPr id="22" name="Rectangle 18">
             <a:extLst>
               <a:ext uri="{FF2B5EF4-FFF2-40B4-BE49-F238E27FC236}">
                 <a16:creationId xmlns:a16="http://schemas.microsoft.com/office/drawing/2014/main" id="{AFA67CD3-AB4E-4A7A-BEB8-53C445D8C44E}"/>
@@ -16559,7 +17344,7 @@
       </p:sp>
       <p:pic>
         <p:nvPicPr>
-          <p:cNvPr id="12" name="Picture 11">
+          <p:cNvPr id="21" name="Picture 20">
             <a:extLst>
               <a:ext uri="{FF2B5EF4-FFF2-40B4-BE49-F238E27FC236}">
                 <a16:creationId xmlns:a16="http://schemas.microsoft.com/office/drawing/2014/main" id="{07CF545F-9C2E-4446-97CD-AD92990C2B68}"/>
@@ -16581,7 +17366,7 @@
           </p:nvPr>
         </p:nvPicPr>
         <p:blipFill rotWithShape="1">
-          <a:blip r:embed="rId2">
+          <a:blip r:embed="rId3">
             <a:extLst>
               <a:ext uri="{28A0092B-C50C-407E-A947-70E740481C1C}">
                 <a14:useLocalDpi xmlns:a14="http://schemas.microsoft.com/office/drawing/2010/main" val="0"/>
@@ -16613,7 +17398,7 @@
         </p:nvSpPr>
         <p:spPr>
           <a:xfrm>
-            <a:off x="4924905" y="404664"/>
+            <a:off x="4570578" y="1257300"/>
             <a:ext cx="3988849" cy="1381125"/>
           </a:xfrm>
         </p:spPr>
@@ -16629,7 +17414,7 @@
               </a:lnSpc>
             </a:pPr>
             <a:r>
-              <a:rPr lang="en-US" kern="1200" dirty="0">
+              <a:rPr lang="en-US" kern="1200">
                 <a:solidFill>
                   <a:srgbClr val="000000"/>
                 </a:solidFill>
@@ -16639,12 +17424,20 @@
               </a:rPr>
               <a:t>Questions</a:t>
             </a:r>
+            <a:endParaRPr lang="en-US" kern="1200" dirty="0">
+              <a:solidFill>
+                <a:srgbClr val="000000"/>
+              </a:solidFill>
+              <a:latin typeface="+mj-lt"/>
+              <a:ea typeface="+mj-ea"/>
+              <a:cs typeface="+mj-cs"/>
+            </a:endParaRPr>
           </a:p>
         </p:txBody>
       </p:sp>
       <p:sp>
         <p:nvSpPr>
-          <p:cNvPr id="14" name="Freeform 62">
+          <p:cNvPr id="23" name="Freeform 62">
             <a:extLst>
               <a:ext uri="{FF2B5EF4-FFF2-40B4-BE49-F238E27FC236}">
                 <a16:creationId xmlns:a16="http://schemas.microsoft.com/office/drawing/2014/main" id="{339C8D78-A644-462F-B674-F440635E5353}"/>
@@ -16831,13 +17624,13 @@
           <p:nvPr/>
         </p:nvPicPr>
         <p:blipFill>
-          <a:blip r:embed="rId3">
+          <a:blip r:embed="rId4">
             <a:extLst>
               <a:ext uri="{28A0092B-C50C-407E-A947-70E740481C1C}">
                 <a14:useLocalDpi xmlns:a14="http://schemas.microsoft.com/office/drawing/2010/main" val="0"/>
               </a:ext>
               <a:ext uri="{96DAC541-7B7A-43D3-8B79-37D633B846F1}">
-                <asvg:svgBlip xmlns:asvg="http://schemas.microsoft.com/office/drawing/2016/SVG/main" r:embed="rId4"/>
+                <asvg:svgBlip xmlns:asvg="http://schemas.microsoft.com/office/drawing/2016/SVG/main" r:embed="rId5"/>
               </a:ext>
             </a:extLst>
           </a:blip>
@@ -16867,8 +17660,8 @@
         </p:nvSpPr>
         <p:spPr>
           <a:xfrm>
-            <a:off x="4279240" y="1402628"/>
-            <a:ext cx="3889853" cy="3669584"/>
+            <a:off x="3879534" y="1052736"/>
+            <a:ext cx="4694659" cy="4821712"/>
           </a:xfrm>
         </p:spPr>
         <p:txBody>
@@ -16876,23 +17669,6 @@
             <a:normAutofit/>
           </a:bodyPr>
           <a:lstStyle/>
-          <a:p>
-            <a:pPr indent="-228600">
-              <a:lnSpc>
-                <a:spcPct val="90000"/>
-              </a:lnSpc>
-            </a:pPr>
-            <a:r>
-              <a:rPr lang="en-US" sz="1300" dirty="0">
-                <a:solidFill>
-                  <a:srgbClr val="000000"/>
-                </a:solidFill>
-                <a:latin typeface="+mn-lt"/>
-                <a:cs typeface="+mn-cs"/>
-              </a:rPr>
-              <a:t>&lt;In your presentation try to answer the following questions:</a:t>
-            </a:r>
-          </a:p>
           <a:p>
             <a:pPr lvl="1" indent="-228600">
               <a:lnSpc>
@@ -16902,7 +17678,7 @@
               <a:buChar char="•"/>
             </a:pPr>
             <a:r>
-              <a:rPr lang="en-US" sz="1300" dirty="0">
+              <a:rPr lang="en-US" sz="1500" dirty="0">
                 <a:solidFill>
                   <a:srgbClr val="000000"/>
                 </a:solidFill>
@@ -16912,7 +17688,7 @@
               <a:t>Which method did you use to</a:t>
             </a:r>
             <a:r>
-              <a:rPr lang="en-US" sz="1300" baseline="0" dirty="0">
+              <a:rPr lang="en-US" sz="1500" baseline="0" dirty="0">
                 <a:solidFill>
                   <a:srgbClr val="000000"/>
                 </a:solidFill>
@@ -16922,7 +17698,7 @@
               <a:t> generate</a:t>
             </a:r>
             <a:r>
-              <a:rPr lang="en-US" sz="1300" dirty="0">
+              <a:rPr lang="en-US" sz="1500" dirty="0">
                 <a:solidFill>
                   <a:srgbClr val="000000"/>
                 </a:solidFill>
@@ -16932,7 +17708,7 @@
               <a:t> your gameplay?</a:t>
             </a:r>
             <a:r>
-              <a:rPr lang="en-US" sz="1300" baseline="0" dirty="0">
+              <a:rPr lang="en-US" sz="1500" baseline="0" dirty="0">
                 <a:solidFill>
                   <a:srgbClr val="000000"/>
                 </a:solidFill>
@@ -16942,7 +17718,7 @@
               <a:t> </a:t>
             </a:r>
             <a:r>
-              <a:rPr lang="en-US" sz="1300" dirty="0">
+              <a:rPr lang="en-US" sz="1500" dirty="0">
                 <a:solidFill>
                   <a:srgbClr val="000000"/>
                 </a:solidFill>
@@ -16951,7 +17727,7 @@
               </a:rPr>
               <a:t>Possibly some mathematical background.</a:t>
             </a:r>
-            <a:endParaRPr lang="en-US" sz="1300" baseline="0" dirty="0">
+            <a:endParaRPr lang="en-US" sz="1500" baseline="0" dirty="0">
               <a:solidFill>
                 <a:srgbClr val="000000"/>
               </a:solidFill>
@@ -16968,14 +17744,73 @@
               <a:buChar char="•"/>
             </a:pPr>
             <a:r>
-              <a:rPr lang="en-US" sz="1300" dirty="0">
+              <a:rPr lang="en-US" sz="1500" b="1" dirty="0">
                 <a:solidFill>
                   <a:srgbClr val="000000"/>
                 </a:solidFill>
                 <a:latin typeface="+mn-lt"/>
                 <a:cs typeface="+mn-cs"/>
               </a:rPr>
-              <a:t>How well (or not) it worked? Which Unity functionality was used?</a:t>
+              <a:t>OnCollisionEnter2D</a:t>
+            </a:r>
+            <a:r>
+              <a:rPr lang="en-US" sz="1500" dirty="0">
+                <a:solidFill>
+                  <a:srgbClr val="000000"/>
+                </a:solidFill>
+                <a:latin typeface="+mn-lt"/>
+                <a:cs typeface="+mn-cs"/>
+              </a:rPr>
+              <a:t> was used in Unity in order to check the collision </a:t>
+            </a:r>
+          </a:p>
+          <a:p>
+            <a:pPr lvl="1" indent="-228600">
+              <a:lnSpc>
+                <a:spcPct val="90000"/>
+              </a:lnSpc>
+              <a:buFont typeface="Arial" panose="020B0604020202020204" pitchFamily="34" charset="0"/>
+              <a:buChar char="•"/>
+            </a:pPr>
+            <a:r>
+              <a:rPr lang="en-US" sz="1500" b="1" dirty="0">
+                <a:solidFill>
+                  <a:srgbClr val="000000"/>
+                </a:solidFill>
+                <a:latin typeface="+mn-lt"/>
+                <a:cs typeface="+mn-cs"/>
+              </a:rPr>
+              <a:t>Time</a:t>
+            </a:r>
+            <a:r>
+              <a:rPr lang="en-US" sz="1500" dirty="0">
+                <a:solidFill>
+                  <a:srgbClr val="000000"/>
+                </a:solidFill>
+                <a:latin typeface="+mn-lt"/>
+                <a:cs typeface="+mn-cs"/>
+              </a:rPr>
+              <a:t> management and </a:t>
+            </a:r>
+            <a:r>
+              <a:rPr lang="en-US" sz="1500" b="1" dirty="0">
+                <a:solidFill>
+                  <a:srgbClr val="000000"/>
+                </a:solidFill>
+                <a:latin typeface="+mn-lt"/>
+                <a:cs typeface="+mn-cs"/>
+              </a:rPr>
+              <a:t>Unity</a:t>
+            </a:r>
+            <a:r>
+              <a:rPr lang="en-US" sz="1500" dirty="0">
+                <a:solidFill>
+                  <a:srgbClr val="000000"/>
+                </a:solidFill>
+                <a:latin typeface="+mn-lt"/>
+                <a:cs typeface="+mn-cs"/>
+              </a:rPr>
+              <a:t> functions made some problems to make the game </a:t>
             </a:r>
           </a:p>
           <a:p>
@@ -16988,34 +17823,24 @@
               <a:defRPr/>
             </a:pPr>
             <a:r>
-              <a:rPr lang="en-US" sz="1300" dirty="0">
+              <a:rPr lang="en-US" sz="1500" dirty="0">
                 <a:solidFill>
                   <a:srgbClr val="000000"/>
                 </a:solidFill>
                 <a:latin typeface="+mn-lt"/>
                 <a:cs typeface="+mn-cs"/>
               </a:rPr>
-              <a:t>Pain points i.e. main challenges (technical or other). What you thought would be easy that turned out hard or thought would be hard that turned out easy?</a:t>
+              <a:t>To manage to finish the first level for the game which is about </a:t>
             </a:r>
-          </a:p>
-          <a:p>
-            <a:pPr lvl="1" indent="-228600">
-              <a:lnSpc>
-                <a:spcPct val="90000"/>
-              </a:lnSpc>
-              <a:buFont typeface="Arial" panose="020B0604020202020204" pitchFamily="34" charset="0"/>
-              <a:buChar char="•"/>
-              <a:defRPr/>
-            </a:pPr>
             <a:r>
-              <a:rPr lang="en-US" sz="1300" dirty="0">
+              <a:rPr lang="en-US" sz="1500" b="1" dirty="0">
                 <a:solidFill>
                   <a:srgbClr val="000000"/>
                 </a:solidFill>
                 <a:latin typeface="+mn-lt"/>
                 <a:cs typeface="+mn-cs"/>
               </a:rPr>
-              <a:t>Your Proudest Moment™ i.e. the breakthrough. What you think was the coolest thing you discovered or produced during this project?&gt;</a:t>
+              <a:t>Baku</a:t>
             </a:r>
           </a:p>
         </p:txBody>
@@ -17029,7 +17854,7 @@
 </file>
 
 <file path=ppt/slides/slide5.xml><?xml version="1.0" encoding="utf-8"?>
-<p:sld xmlns:a="http://schemas.openxmlformats.org/drawingml/2006/main" xmlns:r="http://schemas.openxmlformats.org/officeDocument/2006/relationships" xmlns:p="http://schemas.openxmlformats.org/presentationml/2006/main">
+<p:sld xmlns:a="http://schemas.openxmlformats.org/drawingml/2006/main" xmlns:r="http://schemas.openxmlformats.org/officeDocument/2006/relationships" xmlns:p="http://schemas.openxmlformats.org/presentationml/2006/main" showMasterSp="0">
   <p:cSld>
     <p:spTree>
       <p:nvGrpSpPr>
@@ -17045,224 +17870,49 @@
           <a:chExt cx="0" cy="0"/>
         </a:xfrm>
       </p:grpSpPr>
-      <p:sp>
-        <p:nvSpPr>
-          <p:cNvPr id="2" name="Content Placeholder 1"/>
-          <p:cNvSpPr>
-            <a:spLocks noGrp="1"/>
-          </p:cNvSpPr>
-          <p:nvPr>
-            <p:ph idx="1"/>
-          </p:nvPr>
-        </p:nvSpPr>
-        <p:spPr/>
-        <p:txBody>
-          <a:bodyPr>
-            <a:normAutofit fontScale="70000" lnSpcReduction="20000"/>
-          </a:bodyPr>
-          <a:lstStyle/>
-          <a:p>
-            <a:r>
-              <a:rPr lang="en-US" dirty="0"/>
-              <a:t>&lt;Describe the game in greater detail in this and the following subsections&gt;</a:t>
-            </a:r>
-          </a:p>
-          <a:p>
-            <a:r>
-              <a:rPr lang="en-US" dirty="0"/>
-              <a:t>&lt;Big picture of the game, main quest, main players, etc.&gt;</a:t>
-            </a:r>
-          </a:p>
-          <a:p>
-            <a:r>
-              <a:rPr lang="en-US" dirty="0"/>
-              <a:t>&lt;</a:t>
-            </a:r>
-            <a:r>
-              <a:rPr lang="en-US" b="1" dirty="0">
-                <a:solidFill>
-                  <a:srgbClr val="FF0000"/>
-                </a:solidFill>
-                <a:ea typeface="Times New Roman"/>
-              </a:rPr>
-              <a:t>Bonus:</a:t>
-            </a:r>
-            <a:r>
-              <a:rPr lang="en-US" dirty="0">
-                <a:ea typeface="Times New Roman"/>
-              </a:rPr>
-              <a:t> To get extra </a:t>
-            </a:r>
-            <a:r>
-              <a:rPr lang="en-US" b="1" dirty="0">
-                <a:ea typeface="Times New Roman"/>
-              </a:rPr>
-              <a:t>5%</a:t>
-            </a:r>
-            <a:r>
-              <a:rPr lang="en-US" dirty="0">
-                <a:ea typeface="Times New Roman"/>
-              </a:rPr>
-              <a:t> points present also URL to short online video of the </a:t>
-            </a:r>
-            <a:r>
-              <a:rPr lang="en-US" dirty="0" err="1">
-                <a:ea typeface="Times New Roman"/>
-              </a:rPr>
-              <a:t>gameplay</a:t>
-            </a:r>
-            <a:r>
-              <a:rPr lang="en-US" dirty="0">
-                <a:ea typeface="Times New Roman"/>
-              </a:rPr>
-              <a:t>. </a:t>
-            </a:r>
-            <a:r>
-              <a:rPr lang="en-US" dirty="0">
-                <a:latin typeface="Arial"/>
-                <a:ea typeface="Times New Roman"/>
-                <a:cs typeface="Arial"/>
-              </a:rPr>
-              <a:t>Plus </a:t>
-            </a:r>
-            <a:r>
-              <a:rPr lang="en-US" b="1" dirty="0">
-                <a:latin typeface="Arial"/>
-                <a:ea typeface="Times New Roman"/>
-                <a:cs typeface="Arial"/>
-              </a:rPr>
-              <a:t>10%</a:t>
-            </a:r>
-            <a:r>
-              <a:rPr lang="en-US" dirty="0">
-                <a:latin typeface="Arial"/>
-                <a:ea typeface="Times New Roman"/>
-                <a:cs typeface="Arial"/>
-              </a:rPr>
-              <a:t> over this will be awarded for ‘behind the scenes’ video about development process.</a:t>
-            </a:r>
-            <a:br>
-              <a:rPr lang="en-US" dirty="0">
-                <a:latin typeface="Arial"/>
-                <a:ea typeface="Times New Roman"/>
-                <a:cs typeface="Arial"/>
-              </a:rPr>
-            </a:br>
-            <a:r>
-              <a:rPr lang="en-US" b="1" dirty="0"/>
-              <a:t>Publish your video(s)</a:t>
-            </a:r>
-            <a:r>
-              <a:rPr lang="en-US" dirty="0"/>
-              <a:t> online</a:t>
-            </a:r>
-            <a:r>
-              <a:rPr lang="az-Latn-AZ" dirty="0"/>
-              <a:t> as</a:t>
-            </a:r>
-            <a:r>
-              <a:rPr lang="en-US" dirty="0"/>
-              <a:t> a </a:t>
-            </a:r>
-            <a:r>
-              <a:rPr lang="en-US" b="1" dirty="0"/>
-              <a:t>public</a:t>
-            </a:r>
-            <a:r>
-              <a:rPr lang="en-US" dirty="0"/>
-              <a:t> post on </a:t>
-            </a:r>
-            <a:r>
-              <a:rPr lang="en-US" dirty="0" err="1"/>
-              <a:t>Facebook</a:t>
-            </a:r>
-            <a:r>
-              <a:rPr lang="en-US" dirty="0"/>
-              <a:t> with hash-tags including #CSCI4836, #</a:t>
-            </a:r>
-            <a:r>
-              <a:rPr lang="en-US"/>
-              <a:t>GameDevFundamentals </a:t>
-            </a:r>
-            <a:r>
-              <a:rPr lang="en-US" dirty="0"/>
-              <a:t>and #</a:t>
-            </a:r>
-            <a:r>
-              <a:rPr lang="en-US" dirty="0" err="1"/>
-              <a:t>ADAUniversity</a:t>
-            </a:r>
-            <a:r>
-              <a:rPr lang="en-US" dirty="0"/>
-              <a:t>.</a:t>
-            </a:r>
-          </a:p>
-          <a:p>
-            <a:r>
-              <a:rPr lang="en-US" dirty="0">
-                <a:latin typeface="Arial"/>
-                <a:ea typeface="Times New Roman"/>
-                <a:cs typeface="Arial"/>
-              </a:rPr>
-              <a:t>Plus </a:t>
-            </a:r>
-            <a:r>
-              <a:rPr lang="en-US" b="1" dirty="0">
-                <a:latin typeface="Arial"/>
-                <a:ea typeface="Times New Roman"/>
-                <a:cs typeface="Arial"/>
-              </a:rPr>
-              <a:t>15%</a:t>
-            </a:r>
-            <a:r>
-              <a:rPr lang="en-US" dirty="0">
-                <a:latin typeface="Arial"/>
-                <a:ea typeface="Times New Roman"/>
-                <a:cs typeface="Arial"/>
-              </a:rPr>
-              <a:t> more for a working prototype.</a:t>
-            </a:r>
-            <a:r>
-              <a:rPr lang="en-US" dirty="0"/>
-              <a:t>&gt;</a:t>
-            </a:r>
-            <a:endParaRPr lang="en-US" dirty="0">
-              <a:latin typeface="Arial"/>
-              <a:ea typeface="Times New Roman"/>
-              <a:cs typeface="Arial"/>
-            </a:endParaRPr>
-          </a:p>
-          <a:p>
-            <a:r>
-              <a:rPr lang="en-US" dirty="0">
-                <a:latin typeface="Arial"/>
-                <a:ea typeface="Times New Roman"/>
-                <a:cs typeface="Arial"/>
-              </a:rPr>
-              <a:t>&lt;</a:t>
-            </a:r>
-            <a:r>
-              <a:rPr lang="en-US" dirty="0"/>
-              <a:t>In case of having multiple files all of them should be submitted as part of a </a:t>
-            </a:r>
-            <a:r>
-              <a:rPr lang="en-US" b="1" dirty="0"/>
-              <a:t>SINGLE</a:t>
-            </a:r>
-            <a:r>
-              <a:rPr lang="en-US" dirty="0"/>
-              <a:t> .zip archive file.</a:t>
-            </a:r>
-            <a:r>
-              <a:rPr lang="en-US" dirty="0">
-                <a:ea typeface="Times New Roman"/>
-              </a:rPr>
-              <a:t>&gt;</a:t>
-            </a:r>
-            <a:endParaRPr lang="en-US" dirty="0"/>
-          </a:p>
-        </p:txBody>
-      </p:sp>
+      <p:pic>
+        <p:nvPicPr>
+          <p:cNvPr id="14" name="Picture 13">
+            <a:extLst>
+              <a:ext uri="{FF2B5EF4-FFF2-40B4-BE49-F238E27FC236}">
+                <a16:creationId xmlns:a16="http://schemas.microsoft.com/office/drawing/2014/main" id="{6672897C-47E5-4BB7-8260-EDBB6F4AD497}"/>
+              </a:ext>
+            </a:extLst>
+          </p:cNvPr>
+          <p:cNvPicPr>
+            <a:picLocks noChangeAspect="1"/>
+          </p:cNvPicPr>
+          <p:nvPr/>
+        </p:nvPicPr>
+        <p:blipFill rotWithShape="1">
+          <a:blip r:embed="rId3" cstate="print">
+            <a:duotone>
+              <a:prstClr val="black"/>
+              <a:schemeClr val="tx2">
+                <a:tint val="45000"/>
+                <a:satMod val="400000"/>
+              </a:schemeClr>
+            </a:duotone>
+            <a:alphaModFix amt="35000"/>
+            <a:extLst>
+              <a:ext uri="{28A0092B-C50C-407E-A947-70E740481C1C}">
+                <a14:useLocalDpi xmlns:a14="http://schemas.microsoft.com/office/drawing/2010/main" val="0"/>
+              </a:ext>
+            </a:extLst>
+          </a:blip>
+          <a:srcRect r="-1" b="22460"/>
+          <a:stretch/>
+        </p:blipFill>
+        <p:spPr>
+          <a:xfrm>
+            <a:off x="-13" y="10"/>
+            <a:ext cx="9141714" cy="6857990"/>
+          </a:xfrm>
+          <a:prstGeom prst="rect">
+            <a:avLst/>
+          </a:prstGeom>
+        </p:spPr>
+      </p:pic>
       <p:sp>
         <p:nvSpPr>
           <p:cNvPr id="3" name="Title 2"/>
@@ -17273,14 +17923,358 @@
             <p:ph type="title"/>
           </p:nvPr>
         </p:nvSpPr>
-        <p:spPr/>
+        <p:spPr>
+          <a:xfrm>
+            <a:off x="4540251" y="1459744"/>
+            <a:ext cx="3985902" cy="994172"/>
+          </a:xfrm>
+        </p:spPr>
         <p:txBody>
-          <a:bodyPr/>
+          <a:bodyPr vert="horz" lIns="91440" tIns="45720" rIns="91440" bIns="45720" rtlCol="0" anchor="ctr">
+            <a:normAutofit/>
+          </a:bodyPr>
           <a:lstStyle/>
           <a:p>
+            <a:pPr algn="l" defTabSz="685800">
+              <a:lnSpc>
+                <a:spcPct val="90000"/>
+              </a:lnSpc>
+            </a:pPr>
             <a:r>
-              <a:rPr lang="en-US" dirty="0"/>
+              <a:rPr lang="en-US" sz="3100" kern="1200">
+                <a:solidFill>
+                  <a:schemeClr val="tx1"/>
+                </a:solidFill>
+                <a:latin typeface="+mj-lt"/>
+                <a:ea typeface="+mj-ea"/>
+                <a:cs typeface="+mj-cs"/>
+              </a:rPr>
               <a:t>Game Description: Overview</a:t>
+            </a:r>
+          </a:p>
+        </p:txBody>
+      </p:sp>
+      <p:sp>
+        <p:nvSpPr>
+          <p:cNvPr id="32" name="Freeform: Shape 31">
+            <a:extLst>
+              <a:ext uri="{FF2B5EF4-FFF2-40B4-BE49-F238E27FC236}">
+                <a16:creationId xmlns:a16="http://schemas.microsoft.com/office/drawing/2014/main" id="{CF62D2A7-8207-488C-9F46-316BA81A16C8}"/>
+              </a:ext>
+              <a:ext uri="{C183D7F6-B498-43B3-948B-1728B52AA6E4}">
+                <adec:decorative xmlns:adec="http://schemas.microsoft.com/office/drawing/2017/decorative" val="1"/>
+              </a:ext>
+            </a:extLst>
+          </p:cNvPr>
+          <p:cNvSpPr>
+            <a:spLocks noGrp="1" noRot="1" noChangeAspect="1" noMove="1" noResize="1" noEditPoints="1" noAdjustHandles="1" noChangeArrowheads="1" noChangeShapeType="1" noTextEdit="1"/>
+          </p:cNvSpPr>
+          <p:nvPr>
+            <p:extLst>
+              <p:ext uri="{386F3935-93C4-4BCD-93E2-E3B085C9AB24}">
+                <p16:designElem xmlns:p16="http://schemas.microsoft.com/office/powerpoint/2015/main" val="1"/>
+              </p:ext>
+            </p:extLst>
+          </p:nvPr>
+        </p:nvSpPr>
+        <p:spPr>
+          <a:xfrm>
+            <a:off x="1737" y="-1505"/>
+            <a:ext cx="4387383" cy="4568111"/>
+          </a:xfrm>
+          <a:custGeom>
+            <a:avLst/>
+            <a:gdLst>
+              <a:gd name="connsiteX0" fmla="*/ 0 w 5609220"/>
+              <a:gd name="connsiteY0" fmla="*/ 0 h 5840278"/>
+              <a:gd name="connsiteX1" fmla="*/ 4637091 w 5609220"/>
+              <a:gd name="connsiteY1" fmla="*/ 0 h 5840278"/>
+              <a:gd name="connsiteX2" fmla="*/ 4822569 w 5609220"/>
+              <a:gd name="connsiteY2" fmla="*/ 204077 h 5840278"/>
+              <a:gd name="connsiteX3" fmla="*/ 5609220 w 5609220"/>
+              <a:gd name="connsiteY3" fmla="*/ 2395363 h 5840278"/>
+              <a:gd name="connsiteX4" fmla="*/ 2164305 w 5609220"/>
+              <a:gd name="connsiteY4" fmla="*/ 5840278 h 5840278"/>
+              <a:gd name="connsiteX5" fmla="*/ 238220 w 5609220"/>
+              <a:gd name="connsiteY5" fmla="*/ 5251941 h 5840278"/>
+              <a:gd name="connsiteX6" fmla="*/ 0 w 5609220"/>
+              <a:gd name="connsiteY6" fmla="*/ 5073803 h 5840278"/>
+            </a:gdLst>
+            <a:ahLst/>
+            <a:cxnLst>
+              <a:cxn ang="0">
+                <a:pos x="connsiteX0" y="connsiteY0"/>
+              </a:cxn>
+              <a:cxn ang="0">
+                <a:pos x="connsiteX1" y="connsiteY1"/>
+              </a:cxn>
+              <a:cxn ang="0">
+                <a:pos x="connsiteX2" y="connsiteY2"/>
+              </a:cxn>
+              <a:cxn ang="0">
+                <a:pos x="connsiteX3" y="connsiteY3"/>
+              </a:cxn>
+              <a:cxn ang="0">
+                <a:pos x="connsiteX4" y="connsiteY4"/>
+              </a:cxn>
+              <a:cxn ang="0">
+                <a:pos x="connsiteX5" y="connsiteY5"/>
+              </a:cxn>
+              <a:cxn ang="0">
+                <a:pos x="connsiteX6" y="connsiteY6"/>
+              </a:cxn>
+            </a:cxnLst>
+            <a:rect l="l" t="t" r="r" b="b"/>
+            <a:pathLst>
+              <a:path w="5609220" h="5840278">
+                <a:moveTo>
+                  <a:pt x="0" y="0"/>
+                </a:moveTo>
+                <a:lnTo>
+                  <a:pt x="4637091" y="0"/>
+                </a:lnTo>
+                <a:lnTo>
+                  <a:pt x="4822569" y="204077"/>
+                </a:lnTo>
+                <a:cubicBezTo>
+                  <a:pt x="5314007" y="799562"/>
+                  <a:pt x="5609220" y="1562987"/>
+                  <a:pt x="5609220" y="2395363"/>
+                </a:cubicBezTo>
+                <a:cubicBezTo>
+                  <a:pt x="5609220" y="4297937"/>
+                  <a:pt x="4066879" y="5840278"/>
+                  <a:pt x="2164305" y="5840278"/>
+                </a:cubicBezTo>
+                <a:cubicBezTo>
+                  <a:pt x="1450840" y="5840278"/>
+                  <a:pt x="788032" y="5623387"/>
+                  <a:pt x="238220" y="5251941"/>
+                </a:cubicBezTo>
+                <a:lnTo>
+                  <a:pt x="0" y="5073803"/>
+                </a:lnTo>
+                <a:close/>
+              </a:path>
+            </a:pathLst>
+          </a:custGeom>
+          <a:solidFill>
+            <a:srgbClr val="FFFFFF">
+              <a:alpha val="80000"/>
+            </a:srgbClr>
+          </a:solidFill>
+          <a:ln>
+            <a:noFill/>
+          </a:ln>
+        </p:spPr>
+        <p:style>
+          <a:lnRef idx="2">
+            <a:schemeClr val="accent1">
+              <a:shade val="50000"/>
+            </a:schemeClr>
+          </a:lnRef>
+          <a:fillRef idx="1">
+            <a:schemeClr val="accent1"/>
+          </a:fillRef>
+          <a:effectRef idx="0">
+            <a:schemeClr val="accent1"/>
+          </a:effectRef>
+          <a:fontRef idx="minor">
+            <a:schemeClr val="lt1"/>
+          </a:fontRef>
+        </p:style>
+        <p:txBody>
+          <a:bodyPr rtlCol="0" anchor="ctr"/>
+          <a:lstStyle/>
+          <a:p>
+            <a:pPr algn="ctr" defTabSz="685800">
+              <a:defRPr/>
+            </a:pPr>
+            <a:endParaRPr lang="en-US" sz="1350">
+              <a:solidFill>
+                <a:prstClr val="white"/>
+              </a:solidFill>
+              <a:latin typeface="Calibri" panose="020F0502020204030204"/>
+            </a:endParaRPr>
+          </a:p>
+        </p:txBody>
+      </p:sp>
+      <p:pic>
+        <p:nvPicPr>
+          <p:cNvPr id="16" name="Picture 15">
+            <a:extLst>
+              <a:ext uri="{FF2B5EF4-FFF2-40B4-BE49-F238E27FC236}">
+                <a16:creationId xmlns:a16="http://schemas.microsoft.com/office/drawing/2014/main" id="{DDC76BA6-6885-493F-9837-54BE8F06081B}"/>
+              </a:ext>
+            </a:extLst>
+          </p:cNvPr>
+          <p:cNvPicPr>
+            <a:picLocks noChangeAspect="1"/>
+          </p:cNvPicPr>
+          <p:nvPr/>
+        </p:nvPicPr>
+        <p:blipFill rotWithShape="1">
+          <a:blip r:embed="rId4" cstate="print">
+            <a:extLst>
+              <a:ext uri="{28A0092B-C50C-407E-A947-70E740481C1C}">
+                <a14:useLocalDpi xmlns:a14="http://schemas.microsoft.com/office/drawing/2010/main" val="0"/>
+              </a:ext>
+            </a:extLst>
+          </a:blip>
+          <a:srcRect l="23133" r="12632"/>
+          <a:stretch/>
+        </p:blipFill>
+        <p:spPr>
+          <a:xfrm>
+            <a:off x="-1" y="10"/>
+            <a:ext cx="4256477" cy="4423134"/>
+          </a:xfrm>
+          <a:custGeom>
+            <a:avLst/>
+            <a:gdLst>
+              <a:gd name="connsiteX0" fmla="*/ 0 w 5067519"/>
+              <a:gd name="connsiteY0" fmla="*/ 0 h 5265942"/>
+              <a:gd name="connsiteX1" fmla="*/ 4097786 w 5067519"/>
+              <a:gd name="connsiteY1" fmla="*/ 0 h 5265942"/>
+              <a:gd name="connsiteX2" fmla="*/ 4176264 w 5067519"/>
+              <a:gd name="connsiteY2" fmla="*/ 71326 h 5265942"/>
+              <a:gd name="connsiteX3" fmla="*/ 5067519 w 5067519"/>
+              <a:gd name="connsiteY3" fmla="*/ 2223006 h 5265942"/>
+              <a:gd name="connsiteX4" fmla="*/ 2024583 w 5067519"/>
+              <a:gd name="connsiteY4" fmla="*/ 5265942 h 5265942"/>
+              <a:gd name="connsiteX5" fmla="*/ 145914 w 5067519"/>
+              <a:gd name="connsiteY5" fmla="*/ 4616926 h 5265942"/>
+              <a:gd name="connsiteX6" fmla="*/ 0 w 5067519"/>
+              <a:gd name="connsiteY6" fmla="*/ 4489006 h 5265942"/>
+            </a:gdLst>
+            <a:ahLst/>
+            <a:cxnLst>
+              <a:cxn ang="0">
+                <a:pos x="connsiteX0" y="connsiteY0"/>
+              </a:cxn>
+              <a:cxn ang="0">
+                <a:pos x="connsiteX1" y="connsiteY1"/>
+              </a:cxn>
+              <a:cxn ang="0">
+                <a:pos x="connsiteX2" y="connsiteY2"/>
+              </a:cxn>
+              <a:cxn ang="0">
+                <a:pos x="connsiteX3" y="connsiteY3"/>
+              </a:cxn>
+              <a:cxn ang="0">
+                <a:pos x="connsiteX4" y="connsiteY4"/>
+              </a:cxn>
+              <a:cxn ang="0">
+                <a:pos x="connsiteX5" y="connsiteY5"/>
+              </a:cxn>
+              <a:cxn ang="0">
+                <a:pos x="connsiteX6" y="connsiteY6"/>
+              </a:cxn>
+            </a:cxnLst>
+            <a:rect l="l" t="t" r="r" b="b"/>
+            <a:pathLst>
+              <a:path w="5067519" h="5265942">
+                <a:moveTo>
+                  <a:pt x="0" y="0"/>
+                </a:moveTo>
+                <a:lnTo>
+                  <a:pt x="4097786" y="0"/>
+                </a:lnTo>
+                <a:lnTo>
+                  <a:pt x="4176264" y="71326"/>
+                </a:lnTo>
+                <a:cubicBezTo>
+                  <a:pt x="4726927" y="621989"/>
+                  <a:pt x="5067519" y="1382723"/>
+                  <a:pt x="5067519" y="2223006"/>
+                </a:cubicBezTo>
+                <a:cubicBezTo>
+                  <a:pt x="5067519" y="3903573"/>
+                  <a:pt x="3705150" y="5265942"/>
+                  <a:pt x="2024583" y="5265942"/>
+                </a:cubicBezTo>
+                <a:cubicBezTo>
+                  <a:pt x="1315594" y="5265942"/>
+                  <a:pt x="663237" y="5023470"/>
+                  <a:pt x="145914" y="4616926"/>
+                </a:cubicBezTo>
+                <a:lnTo>
+                  <a:pt x="0" y="4489006"/>
+                </a:lnTo>
+                <a:close/>
+              </a:path>
+            </a:pathLst>
+          </a:custGeom>
+        </p:spPr>
+      </p:pic>
+      <p:sp>
+        <p:nvSpPr>
+          <p:cNvPr id="22" name="Content Placeholder 1"/>
+          <p:cNvSpPr>
+            <a:spLocks noGrp="1"/>
+          </p:cNvSpPr>
+          <p:nvPr>
+            <p:ph idx="1"/>
+          </p:nvPr>
+        </p:nvSpPr>
+        <p:spPr>
+          <a:xfrm>
+            <a:off x="4540251" y="2566514"/>
+            <a:ext cx="3985907" cy="2531940"/>
+          </a:xfrm>
+        </p:spPr>
+        <p:txBody>
+          <a:bodyPr vert="horz" lIns="91440" tIns="45720" rIns="91440" bIns="45720" rtlCol="0" anchor="t">
+            <a:normAutofit/>
+          </a:bodyPr>
+          <a:lstStyle/>
+          <a:p>
+            <a:pPr indent="-171450" defTabSz="685800">
+              <a:lnSpc>
+                <a:spcPct val="90000"/>
+              </a:lnSpc>
+            </a:pPr>
+            <a:r>
+              <a:rPr lang="en-US" sz="1350">
+                <a:latin typeface="+mn-lt"/>
+                <a:cs typeface="+mn-cs"/>
+              </a:rPr>
+              <a:t>Game will be completely in </a:t>
+            </a:r>
+            <a:r>
+              <a:rPr lang="en-US" sz="1350" b="1">
+                <a:latin typeface="+mn-lt"/>
+                <a:cs typeface="+mn-cs"/>
+              </a:rPr>
+              <a:t>2D</a:t>
+            </a:r>
+            <a:r>
+              <a:rPr lang="en-US" sz="1350">
+                <a:latin typeface="+mn-lt"/>
+                <a:cs typeface="+mn-cs"/>
+              </a:rPr>
+              <a:t> perspective view</a:t>
+            </a:r>
+          </a:p>
+          <a:p>
+            <a:pPr indent="-171450" defTabSz="685800">
+              <a:lnSpc>
+                <a:spcPct val="90000"/>
+              </a:lnSpc>
+            </a:pPr>
+            <a:r>
+              <a:rPr lang="en-US" sz="1350">
+                <a:latin typeface="+mn-lt"/>
+                <a:cs typeface="+mn-cs"/>
+              </a:rPr>
+              <a:t>Azerbaijani buildings and icons related to our </a:t>
+            </a:r>
+            <a:r>
+              <a:rPr lang="en-US" sz="1350" b="1">
+                <a:latin typeface="+mn-lt"/>
+                <a:cs typeface="+mn-cs"/>
+              </a:rPr>
+              <a:t>culture</a:t>
             </a:r>
           </a:p>
         </p:txBody>
@@ -17288,25 +18282,14 @@
     </p:spTree>
   </p:cSld>
   <p:clrMapOvr>
-    <a:masterClrMapping/>
+    <a:overrideClrMapping bg1="dk1" tx1="lt1" bg2="dk2" tx2="lt2" accent1="accent1" accent2="accent2" accent3="accent3" accent4="accent4" accent5="accent5" accent6="accent6" hlink="hlink" folHlink="folHlink"/>
   </p:clrMapOvr>
 </p:sld>
 </file>
 
 <file path=ppt/slides/slide6.xml><?xml version="1.0" encoding="utf-8"?>
-<p:sld xmlns:a="http://schemas.openxmlformats.org/drawingml/2006/main" xmlns:r="http://schemas.openxmlformats.org/officeDocument/2006/relationships" xmlns:p="http://schemas.openxmlformats.org/presentationml/2006/main">
+<p:sld xmlns:a="http://schemas.openxmlformats.org/drawingml/2006/main" xmlns:r="http://schemas.openxmlformats.org/officeDocument/2006/relationships" xmlns:p="http://schemas.openxmlformats.org/presentationml/2006/main" showMasterSp="0">
   <p:cSld>
-    <p:bg>
-      <p:bgPr>
-        <a:solidFill>
-          <a:schemeClr val="bg1">
-            <a:tint val="95000"/>
-            <a:satMod val="170000"/>
-          </a:schemeClr>
-        </a:solidFill>
-        <a:effectLst/>
-      </p:bgPr>
-    </p:bg>
     <p:spTree>
       <p:nvGrpSpPr>
         <p:cNvPr id="1" name=""/>
@@ -18575,16 +19558,8 @@
 </file>
 
 <file path=ppt/slides/slide7.xml><?xml version="1.0" encoding="utf-8"?>
-<p:sld xmlns:a="http://schemas.openxmlformats.org/drawingml/2006/main" xmlns:r="http://schemas.openxmlformats.org/officeDocument/2006/relationships" xmlns:p="http://schemas.openxmlformats.org/presentationml/2006/main">
+<p:sld xmlns:a="http://schemas.openxmlformats.org/drawingml/2006/main" xmlns:r="http://schemas.openxmlformats.org/officeDocument/2006/relationships" xmlns:p="http://schemas.openxmlformats.org/presentationml/2006/main" showMasterSp="0">
   <p:cSld>
-    <p:bg>
-      <p:bgPr>
-        <a:solidFill>
-          <a:schemeClr val="bg1"/>
-        </a:solidFill>
-        <a:effectLst/>
-      </p:bgPr>
-    </p:bg>
     <p:spTree>
       <p:nvGrpSpPr>
         <p:cNvPr id="1" name=""/>
@@ -18599,6 +19574,148 @@
           <a:chExt cx="0" cy="0"/>
         </a:xfrm>
       </p:grpSpPr>
+      <p:pic>
+        <p:nvPicPr>
+          <p:cNvPr id="5" name="Picture 4">
+            <a:extLst>
+              <a:ext uri="{FF2B5EF4-FFF2-40B4-BE49-F238E27FC236}">
+                <a16:creationId xmlns:a16="http://schemas.microsoft.com/office/drawing/2014/main" id="{D35BC584-CC3F-411F-9315-B58953A3FCFB}"/>
+              </a:ext>
+            </a:extLst>
+          </p:cNvPr>
+          <p:cNvPicPr>
+            <a:picLocks noChangeAspect="1"/>
+          </p:cNvPicPr>
+          <p:nvPr/>
+        </p:nvPicPr>
+        <p:blipFill rotWithShape="1">
+          <a:blip r:embed="rId2" cstate="print">
+            <a:extLst>
+              <a:ext uri="{28A0092B-C50C-407E-A947-70E740481C1C}">
+                <a14:useLocalDpi xmlns:a14="http://schemas.microsoft.com/office/drawing/2010/main" val="0"/>
+              </a:ext>
+            </a:extLst>
+          </a:blip>
+          <a:srcRect l="32083" r="21831" b="-1"/>
+          <a:stretch/>
+        </p:blipFill>
+        <p:spPr>
+          <a:xfrm>
+            <a:off x="5555867" y="3899159"/>
+            <a:ext cx="1188346" cy="1721202"/>
+          </a:xfrm>
+          <a:custGeom>
+            <a:avLst/>
+            <a:gdLst>
+              <a:gd name="connsiteX0" fmla="*/ 65565 w 6313150"/>
+              <a:gd name="connsiteY0" fmla="*/ 0 h 6857997"/>
+              <a:gd name="connsiteX1" fmla="*/ 6313150 w 6313150"/>
+              <a:gd name="connsiteY1" fmla="*/ 0 h 6857997"/>
+              <a:gd name="connsiteX2" fmla="*/ 6313150 w 6313150"/>
+              <a:gd name="connsiteY2" fmla="*/ 6857997 h 6857997"/>
+              <a:gd name="connsiteX3" fmla="*/ 3293946 w 6313150"/>
+              <a:gd name="connsiteY3" fmla="*/ 6857997 h 6857997"/>
+              <a:gd name="connsiteX4" fmla="*/ 3235857 w 6313150"/>
+              <a:gd name="connsiteY4" fmla="*/ 6823061 h 6857997"/>
+              <a:gd name="connsiteX5" fmla="*/ 0 w 6313150"/>
+              <a:gd name="connsiteY5" fmla="*/ 951803 h 6857997"/>
+              <a:gd name="connsiteX6" fmla="*/ 31536 w 6313150"/>
+              <a:gd name="connsiteY6" fmla="*/ 285771 h 6857997"/>
+            </a:gdLst>
+            <a:ahLst/>
+            <a:cxnLst>
+              <a:cxn ang="0">
+                <a:pos x="connsiteX0" y="connsiteY0"/>
+              </a:cxn>
+              <a:cxn ang="0">
+                <a:pos x="connsiteX1" y="connsiteY1"/>
+              </a:cxn>
+              <a:cxn ang="0">
+                <a:pos x="connsiteX2" y="connsiteY2"/>
+              </a:cxn>
+              <a:cxn ang="0">
+                <a:pos x="connsiteX3" y="connsiteY3"/>
+              </a:cxn>
+              <a:cxn ang="0">
+                <a:pos x="connsiteX4" y="connsiteY4"/>
+              </a:cxn>
+              <a:cxn ang="0">
+                <a:pos x="connsiteX5" y="connsiteY5"/>
+              </a:cxn>
+              <a:cxn ang="0">
+                <a:pos x="connsiteX6" y="connsiteY6"/>
+              </a:cxn>
+            </a:cxnLst>
+            <a:rect l="l" t="t" r="r" b="b"/>
+            <a:pathLst>
+              <a:path w="6313150" h="6857997">
+                <a:moveTo>
+                  <a:pt x="65565" y="0"/>
+                </a:moveTo>
+                <a:lnTo>
+                  <a:pt x="6313150" y="0"/>
+                </a:lnTo>
+                <a:lnTo>
+                  <a:pt x="6313150" y="6857997"/>
+                </a:lnTo>
+                <a:lnTo>
+                  <a:pt x="3293946" y="6857997"/>
+                </a:lnTo>
+                <a:lnTo>
+                  <a:pt x="3235857" y="6823061"/>
+                </a:lnTo>
+                <a:cubicBezTo>
+                  <a:pt x="1291240" y="5592803"/>
+                  <a:pt x="0" y="3423096"/>
+                  <a:pt x="0" y="951803"/>
+                </a:cubicBezTo>
+                <a:cubicBezTo>
+                  <a:pt x="0" y="727140"/>
+                  <a:pt x="10673" y="504970"/>
+                  <a:pt x="31536" y="285771"/>
+                </a:cubicBezTo>
+                <a:close/>
+              </a:path>
+            </a:pathLst>
+          </a:custGeom>
+        </p:spPr>
+      </p:pic>
+      <p:pic>
+        <p:nvPicPr>
+          <p:cNvPr id="6" name="Picture 5">
+            <a:extLst>
+              <a:ext uri="{FF2B5EF4-FFF2-40B4-BE49-F238E27FC236}">
+                <a16:creationId xmlns:a16="http://schemas.microsoft.com/office/drawing/2014/main" id="{FBFB8F3E-29AC-403F-B1BF-B04A9375C8F7}"/>
+              </a:ext>
+            </a:extLst>
+          </p:cNvPr>
+          <p:cNvPicPr>
+            <a:picLocks noChangeAspect="1"/>
+          </p:cNvPicPr>
+          <p:nvPr/>
+        </p:nvPicPr>
+        <p:blipFill>
+          <a:blip r:embed="rId3">
+            <a:extLst>
+              <a:ext uri="{28A0092B-C50C-407E-A947-70E740481C1C}">
+                <a14:useLocalDpi xmlns:a14="http://schemas.microsoft.com/office/drawing/2010/main" val="0"/>
+              </a:ext>
+            </a:extLst>
+          </a:blip>
+          <a:stretch>
+            <a:fillRect/>
+          </a:stretch>
+        </p:blipFill>
+        <p:spPr>
+          <a:xfrm>
+            <a:off x="1475656" y="2863561"/>
+            <a:ext cx="8382000" cy="3648075"/>
+          </a:xfrm>
+          <a:prstGeom prst="rect">
+            <a:avLst/>
+          </a:prstGeom>
+        </p:spPr>
+      </p:pic>
       <p:sp>
         <p:nvSpPr>
           <p:cNvPr id="3" name="Title 2"/>
@@ -18773,10 +19890,10 @@
       </p:sp>
       <p:pic>
         <p:nvPicPr>
-          <p:cNvPr id="5" name="Picture 4">
+          <p:cNvPr id="8" name="Picture 7">
             <a:extLst>
               <a:ext uri="{FF2B5EF4-FFF2-40B4-BE49-F238E27FC236}">
-                <a16:creationId xmlns:a16="http://schemas.microsoft.com/office/drawing/2014/main" id="{D35BC584-CC3F-411F-9315-B58953A3FCFB}"/>
+                <a16:creationId xmlns:a16="http://schemas.microsoft.com/office/drawing/2014/main" id="{BFDCF7BB-99C4-4FC4-ABB5-5BA19A33C70C}"/>
               </a:ext>
             </a:extLst>
           </p:cNvPr>
@@ -18785,96 +19902,62 @@
           </p:cNvPicPr>
           <p:nvPr/>
         </p:nvPicPr>
-        <p:blipFill rotWithShape="1">
-          <a:blip r:embed="rId2">
+        <p:blipFill>
+          <a:blip r:embed="rId4" cstate="print">
             <a:extLst>
               <a:ext uri="{28A0092B-C50C-407E-A947-70E740481C1C}">
                 <a14:useLocalDpi xmlns:a14="http://schemas.microsoft.com/office/drawing/2010/main" val="0"/>
               </a:ext>
             </a:extLst>
           </a:blip>
-          <a:srcRect l="32083" r="21831" b="-1"/>
-          <a:stretch/>
+          <a:stretch>
+            <a:fillRect/>
+          </a:stretch>
         </p:blipFill>
         <p:spPr>
           <a:xfrm>
-            <a:off x="4409136" y="10"/>
-            <a:ext cx="4734863" cy="6857987"/>
+            <a:off x="7292822" y="5333206"/>
+            <a:ext cx="1008112" cy="1008112"/>
           </a:xfrm>
-          <a:custGeom>
+          <a:prstGeom prst="rect">
             <a:avLst/>
-            <a:gdLst>
-              <a:gd name="connsiteX0" fmla="*/ 65565 w 6313150"/>
-              <a:gd name="connsiteY0" fmla="*/ 0 h 6857997"/>
-              <a:gd name="connsiteX1" fmla="*/ 6313150 w 6313150"/>
-              <a:gd name="connsiteY1" fmla="*/ 0 h 6857997"/>
-              <a:gd name="connsiteX2" fmla="*/ 6313150 w 6313150"/>
-              <a:gd name="connsiteY2" fmla="*/ 6857997 h 6857997"/>
-              <a:gd name="connsiteX3" fmla="*/ 3293946 w 6313150"/>
-              <a:gd name="connsiteY3" fmla="*/ 6857997 h 6857997"/>
-              <a:gd name="connsiteX4" fmla="*/ 3235857 w 6313150"/>
-              <a:gd name="connsiteY4" fmla="*/ 6823061 h 6857997"/>
-              <a:gd name="connsiteX5" fmla="*/ 0 w 6313150"/>
-              <a:gd name="connsiteY5" fmla="*/ 951803 h 6857997"/>
-              <a:gd name="connsiteX6" fmla="*/ 31536 w 6313150"/>
-              <a:gd name="connsiteY6" fmla="*/ 285771 h 6857997"/>
-            </a:gdLst>
-            <a:ahLst/>
-            <a:cxnLst>
-              <a:cxn ang="0">
-                <a:pos x="connsiteX0" y="connsiteY0"/>
-              </a:cxn>
-              <a:cxn ang="0">
-                <a:pos x="connsiteX1" y="connsiteY1"/>
-              </a:cxn>
-              <a:cxn ang="0">
-                <a:pos x="connsiteX2" y="connsiteY2"/>
-              </a:cxn>
-              <a:cxn ang="0">
-                <a:pos x="connsiteX3" y="connsiteY3"/>
-              </a:cxn>
-              <a:cxn ang="0">
-                <a:pos x="connsiteX4" y="connsiteY4"/>
-              </a:cxn>
-              <a:cxn ang="0">
-                <a:pos x="connsiteX5" y="connsiteY5"/>
-              </a:cxn>
-              <a:cxn ang="0">
-                <a:pos x="connsiteX6" y="connsiteY6"/>
-              </a:cxn>
-            </a:cxnLst>
-            <a:rect l="l" t="t" r="r" b="b"/>
-            <a:pathLst>
-              <a:path w="6313150" h="6857997">
-                <a:moveTo>
-                  <a:pt x="65565" y="0"/>
-                </a:moveTo>
-                <a:lnTo>
-                  <a:pt x="6313150" y="0"/>
-                </a:lnTo>
-                <a:lnTo>
-                  <a:pt x="6313150" y="6857997"/>
-                </a:lnTo>
-                <a:lnTo>
-                  <a:pt x="3293946" y="6857997"/>
-                </a:lnTo>
-                <a:lnTo>
-                  <a:pt x="3235857" y="6823061"/>
-                </a:lnTo>
-                <a:cubicBezTo>
-                  <a:pt x="1291240" y="5592803"/>
-                  <a:pt x="0" y="3423096"/>
-                  <a:pt x="0" y="951803"/>
-                </a:cubicBezTo>
-                <a:cubicBezTo>
-                  <a:pt x="0" y="727140"/>
-                  <a:pt x="10673" y="504970"/>
-                  <a:pt x="31536" y="285771"/>
-                </a:cubicBezTo>
-                <a:close/>
-              </a:path>
-            </a:pathLst>
-          </a:custGeom>
+          </a:prstGeom>
+        </p:spPr>
+      </p:pic>
+      <p:pic>
+        <p:nvPicPr>
+          <p:cNvPr id="11" name="Picture 10">
+            <a:extLst>
+              <a:ext uri="{FF2B5EF4-FFF2-40B4-BE49-F238E27FC236}">
+                <a16:creationId xmlns:a16="http://schemas.microsoft.com/office/drawing/2014/main" id="{35AE3E40-4E68-401A-9382-6007F8BDFA20}"/>
+              </a:ext>
+            </a:extLst>
+          </p:cNvPr>
+          <p:cNvPicPr>
+            <a:picLocks noChangeAspect="1"/>
+          </p:cNvPicPr>
+          <p:nvPr/>
+        </p:nvPicPr>
+        <p:blipFill>
+          <a:blip r:embed="rId4" cstate="print">
+            <a:extLst>
+              <a:ext uri="{28A0092B-C50C-407E-A947-70E740481C1C}">
+                <a14:useLocalDpi xmlns:a14="http://schemas.microsoft.com/office/drawing/2010/main" val="0"/>
+              </a:ext>
+            </a:extLst>
+          </a:blip>
+          <a:stretch>
+            <a:fillRect/>
+          </a:stretch>
+        </p:blipFill>
+        <p:spPr>
+          <a:xfrm>
+            <a:off x="3317497" y="5333187"/>
+            <a:ext cx="1008112" cy="1008112"/>
+          </a:xfrm>
+          <a:prstGeom prst="rect">
+            <a:avLst/>
+          </a:prstGeom>
         </p:spPr>
       </p:pic>
     </p:spTree>
@@ -18886,16 +19969,8 @@
 </file>
 
 <file path=ppt/slides/slide8.xml><?xml version="1.0" encoding="utf-8"?>
-<p:sld xmlns:a="http://schemas.openxmlformats.org/drawingml/2006/main" xmlns:r="http://schemas.openxmlformats.org/officeDocument/2006/relationships" xmlns:p="http://schemas.openxmlformats.org/presentationml/2006/main">
+<p:sld xmlns:a="http://schemas.openxmlformats.org/drawingml/2006/main" xmlns:r="http://schemas.openxmlformats.org/officeDocument/2006/relationships" xmlns:p="http://schemas.openxmlformats.org/presentationml/2006/main" showMasterSp="0">
   <p:cSld>
-    <p:bg>
-      <p:bgPr>
-        <a:solidFill>
-          <a:schemeClr val="bg1"/>
-        </a:solidFill>
-        <a:effectLst/>
-      </p:bgPr>
-    </p:bg>
     <p:spTree>
       <p:nvGrpSpPr>
         <p:cNvPr id="1" name=""/>
@@ -19868,16 +20943,8 @@
 </file>
 
 <file path=ppt/slides/slide9.xml><?xml version="1.0" encoding="utf-8"?>
-<p:sld xmlns:a="http://schemas.openxmlformats.org/drawingml/2006/main" xmlns:r="http://schemas.openxmlformats.org/officeDocument/2006/relationships" xmlns:p="http://schemas.openxmlformats.org/presentationml/2006/main">
+<p:sld xmlns:a="http://schemas.openxmlformats.org/drawingml/2006/main" xmlns:r="http://schemas.openxmlformats.org/officeDocument/2006/relationships" xmlns:p="http://schemas.openxmlformats.org/presentationml/2006/main" showMasterSp="0">
   <p:cSld>
-    <p:bg>
-      <p:bgPr>
-        <a:solidFill>
-          <a:schemeClr val="bg1"/>
-        </a:solidFill>
-        <a:effectLst/>
-      </p:bgPr>
-    </p:bg>
     <p:spTree>
       <p:nvGrpSpPr>
         <p:cNvPr id="1" name=""/>
